--- a/Passport_Codeur Formation Eranove Academy.pptx
+++ b/Passport_Codeur Formation Eranove Academy.pptx
@@ -20,33 +20,32 @@
     <p:sldId id="265" r:id="rId14"/>
     <p:sldId id="266" r:id="rId15"/>
     <p:sldId id="267" r:id="rId16"/>
-    <p:sldId id="268" r:id="rId17"/>
   </p:sldIdLst>
   <p:sldSz cy="6858000" cx="12192000"/>
   <p:notesSz cx="6858000" cy="9144000"/>
   <p:embeddedFontLst>
     <p:embeddedFont>
       <p:font typeface="Raleway"/>
-      <p:regular r:id="rId18"/>
-      <p:bold r:id="rId19"/>
-      <p:italic r:id="rId20"/>
-      <p:boldItalic r:id="rId21"/>
+      <p:regular r:id="rId17"/>
+      <p:bold r:id="rId18"/>
+      <p:italic r:id="rId19"/>
+      <p:boldItalic r:id="rId20"/>
     </p:embeddedFont>
     <p:embeddedFont>
       <p:font typeface="Montserrat SemiBold"/>
-      <p:regular r:id="rId22"/>
-      <p:bold r:id="rId23"/>
-      <p:italic r:id="rId24"/>
-      <p:boldItalic r:id="rId25"/>
+      <p:regular r:id="rId21"/>
+      <p:bold r:id="rId22"/>
+      <p:italic r:id="rId23"/>
+      <p:boldItalic r:id="rId24"/>
     </p:embeddedFont>
     <p:embeddedFont>
       <p:font typeface="Arial Black"/>
-      <p:regular r:id="rId26"/>
+      <p:regular r:id="rId25"/>
     </p:embeddedFont>
     <p:embeddedFont>
       <p:font typeface="Gill Sans"/>
-      <p:regular r:id="rId27"/>
-      <p:bold r:id="rId28"/>
+      <p:regular r:id="rId26"/>
+      <p:bold r:id="rId27"/>
     </p:embeddedFont>
   </p:embeddedFontLst>
   <p:defaultTextStyle>
@@ -280,7 +279,7 @@
   </p:defaultTextStyle>
   <p:extLst>
     <p:ext uri="GoogleSlidesCustomDataVersion2">
-      <go:slidesCustomData xmlns:go="http://customooxmlschemas.google.com/" r:id="rId29" roundtripDataSignature="AMtx7mggDcn5gublEAVrSCp+mJEQmF/xOA=="/>
+      <go:slidesCustomData xmlns:go="http://customooxmlschemas.google.com/" r:id="rId28" roundtripDataSignature="AMtx7mi0zmc8+AIpA8jOJW23GHF+1fYUmA=="/>
     </p:ext>
   </p:extLst>
 </p:presentation>
@@ -1850,7 +1849,7 @@
       </p:grpSpPr>
       <p:sp>
         <p:nvSpPr>
-          <p:cNvPr id="209" name="Google Shape;209;p13:notes"/>
+          <p:cNvPr id="209" name="Google Shape;209;p14:notes"/>
           <p:cNvSpPr txBox="1"/>
           <p:nvPr>
             <p:ph idx="1" type="body"/>
@@ -1897,7 +1896,7 @@
       </p:sp>
       <p:sp>
         <p:nvSpPr>
-          <p:cNvPr id="210" name="Google Shape;210;p13:notes"/>
+          <p:cNvPr id="210" name="Google Shape;210;p14:notes"/>
           <p:cNvSpPr/>
           <p:nvPr>
             <p:ph idx="2" type="sldImg"/>
@@ -1953,7 +1952,7 @@
   <p:cSld>
     <p:spTree>
       <p:nvGrpSpPr>
-        <p:cNvPr id="220" name="Shape 220"/>
+        <p:cNvPr id="219" name="Shape 219"/>
         <p:cNvGrpSpPr/>
         <p:nvPr/>
       </p:nvGrpSpPr>
@@ -1967,7 +1966,7 @@
       </p:grpSpPr>
       <p:sp>
         <p:nvSpPr>
-          <p:cNvPr id="221" name="Google Shape;221;p14:notes"/>
+          <p:cNvPr id="220" name="Google Shape;220;g31cd4cd35dc_0_37:notes"/>
           <p:cNvSpPr txBox="1"/>
           <p:nvPr>
             <p:ph idx="1" type="body"/>
@@ -1976,7 +1975,7 @@
         <p:spPr>
           <a:xfrm>
             <a:off x="685800" y="4400550"/>
-            <a:ext cx="5486400" cy="3600450"/>
+            <a:ext cx="5486400" cy="3600600"/>
           </a:xfrm>
           <a:prstGeom prst="rect">
             <a:avLst/>
@@ -2014,7 +2013,7 @@
       </p:sp>
       <p:sp>
         <p:nvSpPr>
-          <p:cNvPr id="222" name="Google Shape;222;p14:notes"/>
+          <p:cNvPr id="221" name="Google Shape;221;g31cd4cd35dc_0_37:notes"/>
           <p:cNvSpPr/>
           <p:nvPr>
             <p:ph idx="2" type="sldImg"/>
@@ -2070,7 +2069,7 @@
   <p:cSld>
     <p:spTree>
       <p:nvGrpSpPr>
-        <p:cNvPr id="231" name="Shape 231"/>
+        <p:cNvPr id="230" name="Shape 230"/>
         <p:cNvGrpSpPr/>
         <p:nvPr/>
       </p:nvGrpSpPr>
@@ -2084,124 +2083,7 @@
       </p:grpSpPr>
       <p:sp>
         <p:nvSpPr>
-          <p:cNvPr id="232" name="Google Shape;232;g31cd4cd35dc_0_37:notes"/>
-          <p:cNvSpPr txBox="1"/>
-          <p:nvPr>
-            <p:ph idx="1" type="body"/>
-          </p:nvPr>
-        </p:nvSpPr>
-        <p:spPr>
-          <a:xfrm>
-            <a:off x="685800" y="4400550"/>
-            <a:ext cx="5486400" cy="3600600"/>
-          </a:xfrm>
-          <a:prstGeom prst="rect">
-            <a:avLst/>
-          </a:prstGeom>
-          <a:noFill/>
-          <a:ln>
-            <a:noFill/>
-          </a:ln>
-        </p:spPr>
-        <p:txBody>
-          <a:bodyPr anchorCtr="0" anchor="t" bIns="45700" lIns="91425" spcFirstLastPara="1" rIns="91425" wrap="square" tIns="45700">
-            <a:noAutofit/>
-          </a:bodyPr>
-          <a:lstStyle/>
-          <a:p>
-            <a:pPr indent="0" lvl="0" marL="0" rtl="0" algn="l">
-              <a:lnSpc>
-                <a:spcPct val="100000"/>
-              </a:lnSpc>
-              <a:spcBef>
-                <a:spcPts val="0"/>
-              </a:spcBef>
-              <a:spcAft>
-                <a:spcPts val="0"/>
-              </a:spcAft>
-              <a:buSzPts val="1400"/>
-              <a:buNone/>
-            </a:pPr>
-            <a:r>
-              <a:t/>
-            </a:r>
-            <a:endParaRPr/>
-          </a:p>
-        </p:txBody>
-      </p:sp>
-      <p:sp>
-        <p:nvSpPr>
-          <p:cNvPr id="233" name="Google Shape;233;g31cd4cd35dc_0_37:notes"/>
-          <p:cNvSpPr/>
-          <p:nvPr>
-            <p:ph idx="2" type="sldImg"/>
-          </p:nvPr>
-        </p:nvSpPr>
-        <p:spPr>
-          <a:xfrm>
-            <a:off x="685800" y="1143000"/>
-            <a:ext cx="5486400" cy="3086100"/>
-          </a:xfrm>
-          <a:custGeom>
-            <a:rect b="b" l="l" r="r" t="t"/>
-            <a:pathLst>
-              <a:path extrusionOk="0" h="120000" w="120000">
-                <a:moveTo>
-                  <a:pt x="0" y="0"/>
-                </a:moveTo>
-                <a:lnTo>
-                  <a:pt x="120000" y="0"/>
-                </a:lnTo>
-                <a:lnTo>
-                  <a:pt x="120000" y="120000"/>
-                </a:lnTo>
-                <a:lnTo>
-                  <a:pt x="0" y="120000"/>
-                </a:lnTo>
-                <a:close/>
-              </a:path>
-            </a:pathLst>
-          </a:custGeom>
-          <a:noFill/>
-          <a:ln cap="flat" cmpd="sng" w="12700">
-            <a:solidFill>
-              <a:srgbClr val="000000"/>
-            </a:solidFill>
-            <a:prstDash val="solid"/>
-            <a:round/>
-            <a:headEnd len="sm" w="sm" type="none"/>
-            <a:tailEnd len="sm" w="sm" type="none"/>
-          </a:ln>
-        </p:spPr>
-      </p:sp>
-    </p:spTree>
-  </p:cSld>
-  <p:clrMapOvr>
-    <a:masterClrMapping/>
-  </p:clrMapOvr>
-</p:notes>
-</file>
-
-<file path=ppt/notesSlides/notesSlide13.xml><?xml version="1.0" encoding="utf-8"?>
-<p:notes xmlns:a="http://schemas.openxmlformats.org/drawingml/2006/main" xmlns:r="http://schemas.openxmlformats.org/officeDocument/2006/relationships" xmlns:mc="http://schemas.openxmlformats.org/markup-compatibility/2006" xmlns:mv="urn:schemas-microsoft-com:mac:vml" xmlns:p="http://schemas.openxmlformats.org/presentationml/2006/main" xmlns:c="http://schemas.openxmlformats.org/drawingml/2006/chart" xmlns:dgm="http://schemas.openxmlformats.org/drawingml/2006/diagram" xmlns:o="urn:schemas-microsoft-com:office:office" xmlns:v="urn:schemas-microsoft-com:vml" xmlns:pvml="urn:schemas-microsoft-com:office:powerpoint" xmlns:com="http://schemas.openxmlformats.org/drawingml/2006/compatibility" xmlns:p14="http://schemas.microsoft.com/office/powerpoint/2010/main" xmlns:p15="http://schemas.microsoft.com/office/powerpoint/2012/main" xmlns:ahyp="http://schemas.microsoft.com/office/drawing/2018/hyperlinkcolor" showMasterPhAnim="0" showMasterSp="0">
-  <p:cSld>
-    <p:spTree>
-      <p:nvGrpSpPr>
-        <p:cNvPr id="242" name="Shape 242"/>
-        <p:cNvGrpSpPr/>
-        <p:nvPr/>
-      </p:nvGrpSpPr>
-      <p:grpSpPr>
-        <a:xfrm>
-          <a:off x="0" y="0"/>
-          <a:ext cx="0" cy="0"/>
-          <a:chOff x="0" y="0"/>
-          <a:chExt cx="0" cy="0"/>
-        </a:xfrm>
-      </p:grpSpPr>
-      <p:sp>
-        <p:nvSpPr>
-          <p:cNvPr id="243" name="Google Shape;243;p31:notes"/>
+          <p:cNvPr id="231" name="Google Shape;231;p31:notes"/>
           <p:cNvSpPr txBox="1"/>
           <p:nvPr>
             <p:ph idx="1" type="body"/>
@@ -2248,7 +2130,7 @@
       </p:sp>
       <p:sp>
         <p:nvSpPr>
-          <p:cNvPr id="244" name="Google Shape;244;p31:notes"/>
+          <p:cNvPr id="232" name="Google Shape;232;p31:notes"/>
           <p:cNvSpPr/>
           <p:nvPr>
             <p:ph idx="2" type="sldImg"/>
@@ -2951,7 +2833,7 @@
       </p:grpSpPr>
       <p:sp>
         <p:nvSpPr>
-          <p:cNvPr id="172" name="Google Shape;172;g31cd4cd35dc_0_25:notes"/>
+          <p:cNvPr id="172" name="Google Shape;172;p11:notes"/>
           <p:cNvSpPr txBox="1"/>
           <p:nvPr>
             <p:ph idx="1" type="body"/>
@@ -2960,7 +2842,7 @@
         <p:spPr>
           <a:xfrm>
             <a:off x="685800" y="4400550"/>
-            <a:ext cx="5486400" cy="3600600"/>
+            <a:ext cx="5486400" cy="3600450"/>
           </a:xfrm>
           <a:prstGeom prst="rect">
             <a:avLst/>
@@ -2998,7 +2880,7 @@
       </p:sp>
       <p:sp>
         <p:nvSpPr>
-          <p:cNvPr id="173" name="Google Shape;173;g31cd4cd35dc_0_25:notes"/>
+          <p:cNvPr id="173" name="Google Shape;173;p11:notes"/>
           <p:cNvSpPr/>
           <p:nvPr>
             <p:ph idx="2" type="sldImg"/>
@@ -3054,7 +2936,7 @@
   <p:cSld>
     <p:spTree>
       <p:nvGrpSpPr>
-        <p:cNvPr id="183" name="Shape 183"/>
+        <p:cNvPr id="185" name="Shape 185"/>
         <p:cNvGrpSpPr/>
         <p:nvPr/>
       </p:nvGrpSpPr>
@@ -3068,7 +2950,7 @@
       </p:grpSpPr>
       <p:sp>
         <p:nvSpPr>
-          <p:cNvPr id="184" name="Google Shape;184;p11:notes"/>
+          <p:cNvPr id="186" name="Google Shape;186;p12:notes"/>
           <p:cNvSpPr txBox="1"/>
           <p:nvPr>
             <p:ph idx="1" type="body"/>
@@ -3115,7 +2997,7 @@
       </p:sp>
       <p:sp>
         <p:nvSpPr>
-          <p:cNvPr id="185" name="Google Shape;185;p11:notes"/>
+          <p:cNvPr id="187" name="Google Shape;187;p12:notes"/>
           <p:cNvSpPr/>
           <p:nvPr>
             <p:ph idx="2" type="sldImg"/>
@@ -3171,7 +3053,7 @@
   <p:cSld>
     <p:spTree>
       <p:nvGrpSpPr>
-        <p:cNvPr id="197" name="Shape 197"/>
+        <p:cNvPr id="196" name="Shape 196"/>
         <p:cNvGrpSpPr/>
         <p:nvPr/>
       </p:nvGrpSpPr>
@@ -3185,7 +3067,7 @@
       </p:grpSpPr>
       <p:sp>
         <p:nvSpPr>
-          <p:cNvPr id="198" name="Google Shape;198;p12:notes"/>
+          <p:cNvPr id="197" name="Google Shape;197;p13:notes"/>
           <p:cNvSpPr txBox="1"/>
           <p:nvPr>
             <p:ph idx="1" type="body"/>
@@ -3232,7 +3114,7 @@
       </p:sp>
       <p:sp>
         <p:nvSpPr>
-          <p:cNvPr id="199" name="Google Shape;199;p12:notes"/>
+          <p:cNvPr id="198" name="Google Shape;198;p13:notes"/>
           <p:cNvSpPr/>
           <p:nvPr>
             <p:ph idx="2" type="sldImg"/>
@@ -17908,7 +17790,7 @@
       </p:grpSpPr>
       <p:pic>
         <p:nvPicPr>
-          <p:cNvPr id="212" name="Google Shape;212;p13"/>
+          <p:cNvPr id="212" name="Google Shape;212;p14"/>
           <p:cNvPicPr preferRelativeResize="0"/>
           <p:nvPr/>
         </p:nvPicPr>
@@ -17935,511 +17817,7 @@
       </p:pic>
       <p:sp>
         <p:nvSpPr>
-          <p:cNvPr id="213" name="Google Shape;213;p13"/>
-          <p:cNvSpPr/>
-          <p:nvPr/>
-        </p:nvSpPr>
-        <p:spPr>
-          <a:xfrm>
-            <a:off x="2660070" y="162050"/>
-            <a:ext cx="9531929" cy="538292"/>
-          </a:xfrm>
-          <a:prstGeom prst="rect">
-            <a:avLst/>
-          </a:prstGeom>
-          <a:solidFill>
-            <a:srgbClr val="FFC000"/>
-          </a:solidFill>
-          <a:ln cap="flat" cmpd="sng" w="12700">
-            <a:solidFill>
-              <a:srgbClr val="FFC000"/>
-            </a:solidFill>
-            <a:prstDash val="solid"/>
-            <a:miter lim="800000"/>
-            <a:headEnd len="sm" w="sm" type="none"/>
-            <a:tailEnd len="sm" w="sm" type="none"/>
-          </a:ln>
-        </p:spPr>
-        <p:txBody>
-          <a:bodyPr anchorCtr="0" anchor="ctr" bIns="45700" lIns="91425" spcFirstLastPara="1" rIns="91425" wrap="square" tIns="45700">
-            <a:noAutofit/>
-          </a:bodyPr>
-          <a:lstStyle/>
-          <a:p>
-            <a:pPr indent="0" lvl="0" marL="0" marR="0" rtl="0" algn="ctr">
-              <a:lnSpc>
-                <a:spcPct val="100000"/>
-              </a:lnSpc>
-              <a:spcBef>
-                <a:spcPts val="0"/>
-              </a:spcBef>
-              <a:spcAft>
-                <a:spcPts val="0"/>
-              </a:spcAft>
-              <a:buClr>
-                <a:srgbClr val="000000"/>
-              </a:buClr>
-              <a:buSzPts val="1800"/>
-              <a:buFont typeface="Arial"/>
-              <a:buNone/>
-            </a:pPr>
-            <a:r>
-              <a:t/>
-            </a:r>
-            <a:endParaRPr b="0" i="0" sz="1800" u="none" cap="none" strike="noStrike">
-              <a:solidFill>
-                <a:schemeClr val="lt1"/>
-              </a:solidFill>
-              <a:latin typeface="Calibri"/>
-              <a:ea typeface="Calibri"/>
-              <a:cs typeface="Calibri"/>
-              <a:sym typeface="Calibri"/>
-            </a:endParaRPr>
-          </a:p>
-        </p:txBody>
-      </p:sp>
-      <p:sp>
-        <p:nvSpPr>
-          <p:cNvPr id="214" name="Google Shape;214;p13"/>
-          <p:cNvSpPr txBox="1"/>
-          <p:nvPr/>
-        </p:nvSpPr>
-        <p:spPr>
-          <a:xfrm>
-            <a:off x="3290220" y="108030"/>
-            <a:ext cx="3861600" cy="646500"/>
-          </a:xfrm>
-          <a:prstGeom prst="rect">
-            <a:avLst/>
-          </a:prstGeom>
-          <a:noFill/>
-          <a:ln>
-            <a:noFill/>
-          </a:ln>
-        </p:spPr>
-        <p:txBody>
-          <a:bodyPr anchorCtr="0" anchor="t" bIns="45700" lIns="91425" spcFirstLastPara="1" rIns="91425" wrap="square" tIns="45700">
-            <a:spAutoFit/>
-          </a:bodyPr>
-          <a:lstStyle/>
-          <a:p>
-            <a:pPr indent="0" lvl="0" marL="0" marR="0" rtl="0" algn="l">
-              <a:lnSpc>
-                <a:spcPct val="100000"/>
-              </a:lnSpc>
-              <a:spcBef>
-                <a:spcPts val="0"/>
-              </a:spcBef>
-              <a:spcAft>
-                <a:spcPts val="0"/>
-              </a:spcAft>
-              <a:buClr>
-                <a:srgbClr val="000000"/>
-              </a:buClr>
-              <a:buSzPts val="3600"/>
-              <a:buFont typeface="Arial"/>
-              <a:buNone/>
-            </a:pPr>
-            <a:r>
-              <a:rPr lang="fr-FR" sz="3600">
-                <a:solidFill>
-                  <a:schemeClr val="lt1"/>
-                </a:solidFill>
-              </a:rPr>
-              <a:t>Fonction</a:t>
-            </a:r>
-            <a:endParaRPr b="0" i="0" sz="1400" u="none" cap="none" strike="noStrike">
-              <a:solidFill>
-                <a:srgbClr val="000000"/>
-              </a:solidFill>
-              <a:latin typeface="Arial"/>
-              <a:ea typeface="Arial"/>
-              <a:cs typeface="Arial"/>
-              <a:sym typeface="Arial"/>
-            </a:endParaRPr>
-          </a:p>
-        </p:txBody>
-      </p:sp>
-      <p:pic>
-        <p:nvPicPr>
-          <p:cNvPr id="215" name="Google Shape;215;p13"/>
-          <p:cNvPicPr preferRelativeResize="0"/>
-          <p:nvPr/>
-        </p:nvPicPr>
-        <p:blipFill rotWithShape="1">
-          <a:blip r:embed="rId4">
-            <a:alphaModFix/>
-          </a:blip>
-          <a:srcRect b="0" l="0" r="0" t="0"/>
-          <a:stretch/>
-        </p:blipFill>
-        <p:spPr>
-          <a:xfrm>
-            <a:off x="1722166" y="21119"/>
-            <a:ext cx="835274" cy="710716"/>
-          </a:xfrm>
-          <a:prstGeom prst="rect">
-            <a:avLst/>
-          </a:prstGeom>
-          <a:noFill/>
-          <a:ln>
-            <a:noFill/>
-          </a:ln>
-        </p:spPr>
-      </p:pic>
-      <p:sp>
-        <p:nvSpPr>
-          <p:cNvPr id="216" name="Google Shape;216;p13"/>
-          <p:cNvSpPr txBox="1"/>
-          <p:nvPr/>
-        </p:nvSpPr>
-        <p:spPr>
-          <a:xfrm>
-            <a:off x="1110463" y="6468822"/>
-            <a:ext cx="267740" cy="338554"/>
-          </a:xfrm>
-          <a:prstGeom prst="rect">
-            <a:avLst/>
-          </a:prstGeom>
-          <a:noFill/>
-          <a:ln>
-            <a:noFill/>
-          </a:ln>
-        </p:spPr>
-        <p:txBody>
-          <a:bodyPr anchorCtr="0" anchor="t" bIns="45700" lIns="91425" spcFirstLastPara="1" rIns="91425" wrap="square" tIns="45700">
-            <a:spAutoFit/>
-          </a:bodyPr>
-          <a:lstStyle/>
-          <a:p>
-            <a:pPr indent="0" lvl="0" marL="0" marR="0" rtl="0" algn="l">
-              <a:lnSpc>
-                <a:spcPct val="100000"/>
-              </a:lnSpc>
-              <a:spcBef>
-                <a:spcPts val="0"/>
-              </a:spcBef>
-              <a:spcAft>
-                <a:spcPts val="0"/>
-              </a:spcAft>
-              <a:buClr>
-                <a:srgbClr val="000000"/>
-              </a:buClr>
-              <a:buSzPts val="1600"/>
-              <a:buFont typeface="Arial"/>
-              <a:buNone/>
-            </a:pPr>
-            <a:r>
-              <a:rPr b="0" i="0" lang="fr-FR" sz="1600" u="none" cap="none" strike="noStrike">
-                <a:solidFill>
-                  <a:schemeClr val="lt1"/>
-                </a:solidFill>
-                <a:latin typeface="Calibri"/>
-                <a:ea typeface="Calibri"/>
-                <a:cs typeface="Calibri"/>
-                <a:sym typeface="Calibri"/>
-              </a:rPr>
-              <a:t>9</a:t>
-            </a:r>
-            <a:endParaRPr b="0" i="0" sz="1600" u="none" cap="none" strike="noStrike">
-              <a:solidFill>
-                <a:schemeClr val="lt1"/>
-              </a:solidFill>
-              <a:latin typeface="Calibri"/>
-              <a:ea typeface="Calibri"/>
-              <a:cs typeface="Calibri"/>
-              <a:sym typeface="Calibri"/>
-            </a:endParaRPr>
-          </a:p>
-        </p:txBody>
-      </p:sp>
-      <p:sp>
-        <p:nvSpPr>
-          <p:cNvPr id="217" name="Google Shape;217;p13"/>
-          <p:cNvSpPr/>
-          <p:nvPr/>
-        </p:nvSpPr>
-        <p:spPr>
-          <a:xfrm>
-            <a:off x="221749" y="6468822"/>
-            <a:ext cx="417078" cy="321013"/>
-          </a:xfrm>
-          <a:prstGeom prst="horizontalScroll">
-            <a:avLst>
-              <a:gd fmla="val 12500" name="adj"/>
-            </a:avLst>
-          </a:prstGeom>
-          <a:solidFill>
-            <a:srgbClr val="FFC000"/>
-          </a:solidFill>
-          <a:ln cap="flat" cmpd="sng" w="12700">
-            <a:solidFill>
-              <a:srgbClr val="FFC000"/>
-            </a:solidFill>
-            <a:prstDash val="solid"/>
-            <a:miter lim="800000"/>
-            <a:headEnd len="sm" w="sm" type="none"/>
-            <a:tailEnd len="sm" w="sm" type="none"/>
-          </a:ln>
-        </p:spPr>
-        <p:txBody>
-          <a:bodyPr anchorCtr="0" anchor="ctr" bIns="45700" lIns="91425" spcFirstLastPara="1" rIns="91425" wrap="square" tIns="45700">
-            <a:noAutofit/>
-          </a:bodyPr>
-          <a:lstStyle/>
-          <a:p>
-            <a:pPr indent="0" lvl="0" marL="0" marR="0" rtl="0" algn="ctr">
-              <a:lnSpc>
-                <a:spcPct val="100000"/>
-              </a:lnSpc>
-              <a:spcBef>
-                <a:spcPts val="0"/>
-              </a:spcBef>
-              <a:spcAft>
-                <a:spcPts val="0"/>
-              </a:spcAft>
-              <a:buClr>
-                <a:srgbClr val="000000"/>
-              </a:buClr>
-              <a:buSzPts val="1100"/>
-              <a:buFont typeface="Arial"/>
-              <a:buNone/>
-            </a:pPr>
-            <a:r>
-              <a:rPr b="0" i="0" lang="fr-FR" sz="1100" u="none" cap="none" strike="noStrike">
-                <a:solidFill>
-                  <a:schemeClr val="lt1"/>
-                </a:solidFill>
-                <a:latin typeface="Calibri"/>
-                <a:ea typeface="Calibri"/>
-                <a:cs typeface="Calibri"/>
-                <a:sym typeface="Calibri"/>
-              </a:rPr>
-              <a:t>13</a:t>
-            </a:r>
-            <a:endParaRPr b="0" i="0" sz="1400" u="none" cap="none" strike="noStrike">
-              <a:solidFill>
-                <a:srgbClr val="000000"/>
-              </a:solidFill>
-              <a:latin typeface="Arial"/>
-              <a:ea typeface="Arial"/>
-              <a:cs typeface="Arial"/>
-              <a:sym typeface="Arial"/>
-            </a:endParaRPr>
-          </a:p>
-        </p:txBody>
-      </p:sp>
-      <p:sp>
-        <p:nvSpPr>
-          <p:cNvPr id="218" name="Google Shape;218;p13"/>
-          <p:cNvSpPr txBox="1"/>
-          <p:nvPr/>
-        </p:nvSpPr>
-        <p:spPr>
-          <a:xfrm>
-            <a:off x="1378200" y="1432150"/>
-            <a:ext cx="8262600" cy="1062000"/>
-          </a:xfrm>
-          <a:prstGeom prst="rect">
-            <a:avLst/>
-          </a:prstGeom>
-          <a:noFill/>
-          <a:ln>
-            <a:noFill/>
-          </a:ln>
-        </p:spPr>
-        <p:txBody>
-          <a:bodyPr anchorCtr="0" anchor="t" bIns="91425" lIns="91425" spcFirstLastPara="1" rIns="91425" wrap="square" tIns="91425">
-            <a:spAutoFit/>
-          </a:bodyPr>
-          <a:lstStyle/>
-          <a:p>
-            <a:pPr indent="0" lvl="0" marL="0" rtl="0" algn="l">
-              <a:spcBef>
-                <a:spcPts val="0"/>
-              </a:spcBef>
-              <a:spcAft>
-                <a:spcPts val="0"/>
-              </a:spcAft>
-              <a:buNone/>
-            </a:pPr>
-            <a:r>
-              <a:rPr lang="fr-FR" sz="1900"/>
-              <a:t>Les fonctions sont des blocs de code réutilisables qui effectuent une tâche précise. Elles permettent de structurer et d'organiser le code pour le rendre plus clair, plus lisible et plus facile à maintenir.</a:t>
-            </a:r>
-            <a:endParaRPr sz="1900"/>
-          </a:p>
-        </p:txBody>
-      </p:sp>
-      <p:pic>
-        <p:nvPicPr>
-          <p:cNvPr id="219" name="Google Shape;219;p13"/>
-          <p:cNvPicPr preferRelativeResize="0"/>
-          <p:nvPr/>
-        </p:nvPicPr>
-        <p:blipFill>
-          <a:blip r:embed="rId5">
-            <a:alphaModFix/>
-          </a:blip>
-          <a:stretch>
-            <a:fillRect/>
-          </a:stretch>
-        </p:blipFill>
-        <p:spPr>
-          <a:xfrm>
-            <a:off x="536650" y="2949275"/>
-            <a:ext cx="10303426" cy="2895600"/>
-          </a:xfrm>
-          <a:prstGeom prst="rect">
-            <a:avLst/>
-          </a:prstGeom>
-          <a:noFill/>
-          <a:ln>
-            <a:noFill/>
-          </a:ln>
-        </p:spPr>
-      </p:pic>
-    </p:spTree>
-  </p:cSld>
-  <p:clrMapOvr>
-    <a:masterClrMapping/>
-  </p:clrMapOvr>
-  <p:timing>
-    <p:tnLst>
-      <p:par>
-        <p:cTn dur="indefinite" nodeType="tmRoot" restart="never">
-          <p:childTnLst>
-            <p:seq concurrent="1" nextAc="seek">
-              <p:cTn dur="indefinite" id="2" nodeType="mainSeq">
-                <p:childTnLst>
-                  <p:par>
-                    <p:cTn fill="hold">
-                      <p:stCondLst>
-                        <p:cond delay="indefinite"/>
-                        <p:cond evt="onBegin" delay="0">
-                          <p:tn val="2"/>
-                        </p:cond>
-                      </p:stCondLst>
-                      <p:childTnLst>
-                        <p:par>
-                          <p:cTn fill="hold">
-                            <p:stCondLst>
-                              <p:cond delay="0"/>
-                            </p:stCondLst>
-                            <p:childTnLst>
-                              <p:par>
-                                <p:cTn fill="hold" nodeType="withEffect" presetClass="entr" presetID="10" presetSubtype="0">
-                                  <p:stCondLst>
-                                    <p:cond delay="0"/>
-                                  </p:stCondLst>
-                                  <p:childTnLst>
-                                    <p:set>
-                                      <p:cBhvr>
-                                        <p:cTn dur="1" fill="hold">
-                                          <p:stCondLst>
-                                            <p:cond delay="0"/>
-                                          </p:stCondLst>
-                                        </p:cTn>
-                                        <p:tgtEl>
-                                          <p:spTgt spid="214"/>
-                                        </p:tgtEl>
-                                        <p:attrNameLst>
-                                          <p:attrName>style.visibility</p:attrName>
-                                        </p:attrNameLst>
-                                      </p:cBhvr>
-                                      <p:to>
-                                        <p:strVal val="visible"/>
-                                      </p:to>
-                                    </p:set>
-                                    <p:animEffect filter="fade" transition="in">
-                                      <p:cBhvr>
-                                        <p:cTn dur="1000"/>
-                                        <p:tgtEl>
-                                          <p:spTgt spid="214"/>
-                                        </p:tgtEl>
-                                      </p:cBhvr>
-                                    </p:animEffect>
-                                  </p:childTnLst>
-                                </p:cTn>
-                              </p:par>
-                            </p:childTnLst>
-                          </p:cTn>
-                        </p:par>
-                      </p:childTnLst>
-                    </p:cTn>
-                  </p:par>
-                </p:childTnLst>
-              </p:cTn>
-              <p:prevCondLst>
-                <p:cond evt="onPrev">
-                  <p:tgtEl>
-                    <p:sldTgt/>
-                  </p:tgtEl>
-                </p:cond>
-              </p:prevCondLst>
-              <p:nextCondLst>
-                <p:cond evt="onNext">
-                  <p:tgtEl>
-                    <p:sldTgt/>
-                  </p:tgtEl>
-                </p:cond>
-              </p:nextCondLst>
-            </p:seq>
-          </p:childTnLst>
-        </p:cTn>
-      </p:par>
-    </p:tnLst>
-  </p:timing>
-</p:sld>
-</file>
-
-<file path=ppt/slides/slide11.xml><?xml version="1.0" encoding="utf-8"?>
-<p:sld xmlns:a="http://schemas.openxmlformats.org/drawingml/2006/main" xmlns:r="http://schemas.openxmlformats.org/officeDocument/2006/relationships" xmlns:mc="http://schemas.openxmlformats.org/markup-compatibility/2006" xmlns:mv="urn:schemas-microsoft-com:mac:vml" xmlns:p="http://schemas.openxmlformats.org/presentationml/2006/main" xmlns:c="http://schemas.openxmlformats.org/drawingml/2006/chart" xmlns:dgm="http://schemas.openxmlformats.org/drawingml/2006/diagram" xmlns:o="urn:schemas-microsoft-com:office:office" xmlns:v="urn:schemas-microsoft-com:vml" xmlns:pvml="urn:schemas-microsoft-com:office:powerpoint" xmlns:com="http://schemas.openxmlformats.org/drawingml/2006/compatibility" xmlns:p14="http://schemas.microsoft.com/office/powerpoint/2010/main" xmlns:p15="http://schemas.microsoft.com/office/powerpoint/2012/main" xmlns:ahyp="http://schemas.microsoft.com/office/drawing/2018/hyperlinkcolor">
-  <p:cSld>
-    <p:spTree>
-      <p:nvGrpSpPr>
-        <p:cNvPr id="223" name="Shape 223"/>
-        <p:cNvGrpSpPr/>
-        <p:nvPr/>
-      </p:nvGrpSpPr>
-      <p:grpSpPr>
-        <a:xfrm>
-          <a:off x="0" y="0"/>
-          <a:ext cx="0" cy="0"/>
-          <a:chOff x="0" y="0"/>
-          <a:chExt cx="0" cy="0"/>
-        </a:xfrm>
-      </p:grpSpPr>
-      <p:pic>
-        <p:nvPicPr>
-          <p:cNvPr id="224" name="Google Shape;224;p14"/>
-          <p:cNvPicPr preferRelativeResize="0"/>
-          <p:nvPr/>
-        </p:nvPicPr>
-        <p:blipFill rotWithShape="1">
-          <a:blip r:embed="rId3">
-            <a:alphaModFix/>
-          </a:blip>
-          <a:srcRect b="0" l="0" r="0" t="0"/>
-          <a:stretch/>
-        </p:blipFill>
-        <p:spPr>
-          <a:xfrm>
-            <a:off x="0" y="-378349"/>
-            <a:ext cx="1509653" cy="1509653"/>
-          </a:xfrm>
-          <a:prstGeom prst="rect">
-            <a:avLst/>
-          </a:prstGeom>
-          <a:noFill/>
-          <a:ln>
-            <a:noFill/>
-          </a:ln>
-        </p:spPr>
-      </p:pic>
-      <p:sp>
-        <p:nvSpPr>
-          <p:cNvPr id="225" name="Google Shape;225;p14"/>
+          <p:cNvPr id="213" name="Google Shape;213;p14"/>
           <p:cNvSpPr/>
           <p:nvPr/>
         </p:nvSpPr>
@@ -18504,7 +17882,7 @@
       </p:sp>
       <p:pic>
         <p:nvPicPr>
-          <p:cNvPr id="226" name="Google Shape;226;p14"/>
+          <p:cNvPr id="214" name="Google Shape;214;p14"/>
           <p:cNvPicPr preferRelativeResize="0"/>
           <p:nvPr/>
         </p:nvPicPr>
@@ -18531,7 +17909,7 @@
       </p:pic>
       <p:sp>
         <p:nvSpPr>
-          <p:cNvPr id="227" name="Google Shape;227;p14"/>
+          <p:cNvPr id="215" name="Google Shape;215;p14"/>
           <p:cNvSpPr/>
           <p:nvPr/>
         </p:nvSpPr>
@@ -18598,7 +17976,7 @@
       </p:sp>
       <p:sp>
         <p:nvSpPr>
-          <p:cNvPr id="228" name="Google Shape;228;p14"/>
+          <p:cNvPr id="216" name="Google Shape;216;p14"/>
           <p:cNvSpPr txBox="1"/>
           <p:nvPr/>
         </p:nvSpPr>
@@ -18664,7 +18042,7 @@
       </p:sp>
       <p:sp>
         <p:nvSpPr>
-          <p:cNvPr id="229" name="Google Shape;229;p14"/>
+          <p:cNvPr id="217" name="Google Shape;217;p14"/>
           <p:cNvSpPr txBox="1"/>
           <p:nvPr/>
         </p:nvSpPr>
@@ -18730,7 +18108,7 @@
       </p:sp>
       <p:pic>
         <p:nvPicPr>
-          <p:cNvPr id="230" name="Google Shape;230;p14"/>
+          <p:cNvPr id="218" name="Google Shape;218;p14"/>
           <p:cNvPicPr preferRelativeResize="0"/>
           <p:nvPr/>
         </p:nvPicPr>
@@ -18798,7 +18176,7 @@
                                           </p:stCondLst>
                                         </p:cTn>
                                         <p:tgtEl>
-                                          <p:spTgt spid="229"/>
+                                          <p:spTgt spid="217"/>
                                         </p:tgtEl>
                                         <p:attrNameLst>
                                           <p:attrName>style.visibility</p:attrName>
@@ -18812,7 +18190,7 @@
                                       <p:cBhvr>
                                         <p:cTn dur="1000"/>
                                         <p:tgtEl>
-                                          <p:spTgt spid="229"/>
+                                          <p:spTgt spid="217"/>
                                         </p:tgtEl>
                                       </p:cBhvr>
                                     </p:animEffect>
@@ -18850,12 +18228,12 @@
 </p:sld>
 </file>
 
-<file path=ppt/slides/slide12.xml><?xml version="1.0" encoding="utf-8"?>
+<file path=ppt/slides/slide11.xml><?xml version="1.0" encoding="utf-8"?>
 <p:sld xmlns:a="http://schemas.openxmlformats.org/drawingml/2006/main" xmlns:r="http://schemas.openxmlformats.org/officeDocument/2006/relationships" xmlns:mc="http://schemas.openxmlformats.org/markup-compatibility/2006" xmlns:mv="urn:schemas-microsoft-com:mac:vml" xmlns:p="http://schemas.openxmlformats.org/presentationml/2006/main" xmlns:c="http://schemas.openxmlformats.org/drawingml/2006/chart" xmlns:dgm="http://schemas.openxmlformats.org/drawingml/2006/diagram" xmlns:o="urn:schemas-microsoft-com:office:office" xmlns:v="urn:schemas-microsoft-com:vml" xmlns:pvml="urn:schemas-microsoft-com:office:powerpoint" xmlns:com="http://schemas.openxmlformats.org/drawingml/2006/compatibility" xmlns:p14="http://schemas.microsoft.com/office/powerpoint/2010/main" xmlns:p15="http://schemas.microsoft.com/office/powerpoint/2012/main" xmlns:ahyp="http://schemas.microsoft.com/office/drawing/2018/hyperlinkcolor">
   <p:cSld>
     <p:spTree>
       <p:nvGrpSpPr>
-        <p:cNvPr id="234" name="Shape 234"/>
+        <p:cNvPr id="222" name="Shape 222"/>
         <p:cNvGrpSpPr/>
         <p:nvPr/>
       </p:nvGrpSpPr>
@@ -18869,7 +18247,7 @@
       </p:grpSpPr>
       <p:pic>
         <p:nvPicPr>
-          <p:cNvPr id="235" name="Google Shape;235;g31cd4cd35dc_0_37"/>
+          <p:cNvPr id="223" name="Google Shape;223;g31cd4cd35dc_0_37"/>
           <p:cNvPicPr preferRelativeResize="0"/>
           <p:nvPr/>
         </p:nvPicPr>
@@ -18896,7 +18274,7 @@
       </p:pic>
       <p:sp>
         <p:nvSpPr>
-          <p:cNvPr id="236" name="Google Shape;236;g31cd4cd35dc_0_37"/>
+          <p:cNvPr id="224" name="Google Shape;224;g31cd4cd35dc_0_37"/>
           <p:cNvSpPr/>
           <p:nvPr/>
         </p:nvSpPr>
@@ -18961,7 +18339,7 @@
       </p:sp>
       <p:pic>
         <p:nvPicPr>
-          <p:cNvPr id="237" name="Google Shape;237;g31cd4cd35dc_0_37"/>
+          <p:cNvPr id="225" name="Google Shape;225;g31cd4cd35dc_0_37"/>
           <p:cNvPicPr preferRelativeResize="0"/>
           <p:nvPr/>
         </p:nvPicPr>
@@ -18988,7 +18366,7 @@
       </p:pic>
       <p:sp>
         <p:nvSpPr>
-          <p:cNvPr id="238" name="Google Shape;238;g31cd4cd35dc_0_37"/>
+          <p:cNvPr id="226" name="Google Shape;226;g31cd4cd35dc_0_37"/>
           <p:cNvSpPr/>
           <p:nvPr/>
         </p:nvSpPr>
@@ -19055,7 +18433,7 @@
       </p:sp>
       <p:sp>
         <p:nvSpPr>
-          <p:cNvPr id="239" name="Google Shape;239;g31cd4cd35dc_0_37"/>
+          <p:cNvPr id="227" name="Google Shape;227;g31cd4cd35dc_0_37"/>
           <p:cNvSpPr txBox="1"/>
           <p:nvPr/>
         </p:nvSpPr>
@@ -19121,7 +18499,7 @@
       </p:sp>
       <p:sp>
         <p:nvSpPr>
-          <p:cNvPr id="240" name="Google Shape;240;g31cd4cd35dc_0_37"/>
+          <p:cNvPr id="228" name="Google Shape;228;g31cd4cd35dc_0_37"/>
           <p:cNvSpPr txBox="1"/>
           <p:nvPr/>
         </p:nvSpPr>
@@ -19187,7 +18565,7 @@
       </p:sp>
       <p:sp>
         <p:nvSpPr>
-          <p:cNvPr id="241" name="Google Shape;241;g31cd4cd35dc_0_37"/>
+          <p:cNvPr id="229" name="Google Shape;229;g31cd4cd35dc_0_37"/>
           <p:cNvSpPr txBox="1"/>
           <p:nvPr/>
         </p:nvSpPr>
@@ -19273,7 +18651,7 @@
                                           </p:stCondLst>
                                         </p:cTn>
                                         <p:tgtEl>
-                                          <p:spTgt spid="240"/>
+                                          <p:spTgt spid="228"/>
                                         </p:tgtEl>
                                         <p:attrNameLst>
                                           <p:attrName>style.visibility</p:attrName>
@@ -19287,7 +18665,7 @@
                                       <p:cBhvr>
                                         <p:cTn dur="1000"/>
                                         <p:tgtEl>
-                                          <p:spTgt spid="240"/>
+                                          <p:spTgt spid="228"/>
                                         </p:tgtEl>
                                       </p:cBhvr>
                                     </p:animEffect>
@@ -19325,12 +18703,12 @@
 </p:sld>
 </file>
 
-<file path=ppt/slides/slide13.xml><?xml version="1.0" encoding="utf-8"?>
+<file path=ppt/slides/slide12.xml><?xml version="1.0" encoding="utf-8"?>
 <p:sld xmlns:a="http://schemas.openxmlformats.org/drawingml/2006/main" xmlns:r="http://schemas.openxmlformats.org/officeDocument/2006/relationships" xmlns:mc="http://schemas.openxmlformats.org/markup-compatibility/2006" xmlns:mv="urn:schemas-microsoft-com:mac:vml" xmlns:p="http://schemas.openxmlformats.org/presentationml/2006/main" xmlns:c="http://schemas.openxmlformats.org/drawingml/2006/chart" xmlns:dgm="http://schemas.openxmlformats.org/drawingml/2006/diagram" xmlns:o="urn:schemas-microsoft-com:office:office" xmlns:v="urn:schemas-microsoft-com:vml" xmlns:pvml="urn:schemas-microsoft-com:office:powerpoint" xmlns:com="http://schemas.openxmlformats.org/drawingml/2006/compatibility" xmlns:p14="http://schemas.microsoft.com/office/powerpoint/2010/main" xmlns:p15="http://schemas.microsoft.com/office/powerpoint/2012/main" xmlns:ahyp="http://schemas.microsoft.com/office/drawing/2018/hyperlinkcolor">
   <p:cSld>
     <p:spTree>
       <p:nvGrpSpPr>
-        <p:cNvPr id="245" name="Shape 245"/>
+        <p:cNvPr id="233" name="Shape 233"/>
         <p:cNvGrpSpPr/>
         <p:nvPr/>
       </p:nvGrpSpPr>
@@ -19344,7 +18722,7 @@
       </p:grpSpPr>
       <p:sp>
         <p:nvSpPr>
-          <p:cNvPr id="246" name="Google Shape;246;p31"/>
+          <p:cNvPr id="234" name="Google Shape;234;p31"/>
           <p:cNvSpPr txBox="1"/>
           <p:nvPr/>
         </p:nvSpPr>
@@ -22699,7 +22077,7 @@
       </p:grpSpPr>
       <p:pic>
         <p:nvPicPr>
-          <p:cNvPr id="175" name="Google Shape;175;g31cd4cd35dc_0_25"/>
+          <p:cNvPr id="175" name="Google Shape;175;p11"/>
           <p:cNvPicPr preferRelativeResize="0"/>
           <p:nvPr/>
         </p:nvPicPr>
@@ -22713,7 +22091,7 @@
         <p:spPr>
           <a:xfrm>
             <a:off x="0" y="-378349"/>
-            <a:ext cx="1509655" cy="1509655"/>
+            <a:ext cx="1509653" cy="1509653"/>
           </a:xfrm>
           <a:prstGeom prst="rect">
             <a:avLst/>
@@ -22726,24 +22104,24 @@
       </p:pic>
       <p:sp>
         <p:nvSpPr>
-          <p:cNvPr id="176" name="Google Shape;176;g31cd4cd35dc_0_25"/>
+          <p:cNvPr id="176" name="Google Shape;176;p11"/>
           <p:cNvSpPr/>
           <p:nvPr/>
         </p:nvSpPr>
         <p:spPr>
           <a:xfrm>
             <a:off x="2660070" y="162050"/>
-            <a:ext cx="9531900" cy="538200"/>
+            <a:ext cx="9531929" cy="538292"/>
           </a:xfrm>
           <a:prstGeom prst="rect">
             <a:avLst/>
           </a:prstGeom>
           <a:solidFill>
-            <a:srgbClr val="2570A7"/>
+            <a:srgbClr val="BCC71B"/>
           </a:solidFill>
           <a:ln cap="flat" cmpd="sng" w="12700">
             <a:solidFill>
-              <a:srgbClr val="2570A7"/>
+              <a:srgbClr val="BCC71B"/>
             </a:solidFill>
             <a:prstDash val="solid"/>
             <a:miter lim="800000"/>
@@ -22791,14 +22169,14 @@
       </p:sp>
       <p:sp>
         <p:nvSpPr>
-          <p:cNvPr id="177" name="Google Shape;177;g31cd4cd35dc_0_25"/>
+          <p:cNvPr id="177" name="Google Shape;177;p11"/>
           <p:cNvSpPr txBox="1"/>
           <p:nvPr/>
         </p:nvSpPr>
         <p:spPr>
           <a:xfrm>
             <a:off x="3290220" y="108030"/>
-            <a:ext cx="8898000" cy="1200600"/>
+            <a:ext cx="6578100" cy="646500"/>
           </a:xfrm>
           <a:prstGeom prst="rect">
             <a:avLst/>
@@ -22832,51 +22210,16 @@
               <a:buNone/>
             </a:pPr>
             <a:r>
-              <a:rPr b="1" lang="fr-FR" sz="3600">
+              <a:rPr lang="fr-FR" sz="3600">
                 <a:solidFill>
                   <a:schemeClr val="lt1"/>
                 </a:solidFill>
-                <a:latin typeface="Calibri"/>
-                <a:ea typeface="Calibri"/>
-                <a:cs typeface="Calibri"/>
-                <a:sym typeface="Calibri"/>
               </a:rPr>
-              <a:t>Base de Python</a:t>
+              <a:t>Structure de Contrôle</a:t>
             </a:r>
-            <a:endParaRPr b="1" i="0" sz="3600" u="none" cap="none" strike="noStrike">
+            <a:endParaRPr b="0" i="0" sz="1400" u="none" cap="none" strike="noStrike">
               <a:solidFill>
-                <a:schemeClr val="lt1"/>
-              </a:solidFill>
-              <a:latin typeface="Montserrat SemiBold"/>
-              <a:ea typeface="Montserrat SemiBold"/>
-              <a:cs typeface="Montserrat SemiBold"/>
-              <a:sym typeface="Montserrat SemiBold"/>
-            </a:endParaRPr>
-          </a:p>
-          <a:p>
-            <a:pPr indent="0" lvl="0" marL="0" marR="0" rtl="0" algn="l">
-              <a:lnSpc>
-                <a:spcPct val="100000"/>
-              </a:lnSpc>
-              <a:spcBef>
-                <a:spcPts val="0"/>
-              </a:spcBef>
-              <a:spcAft>
-                <a:spcPts val="0"/>
-              </a:spcAft>
-              <a:buClr>
-                <a:srgbClr val="000000"/>
-              </a:buClr>
-              <a:buSzPts val="3600"/>
-              <a:buFont typeface="Arial"/>
-              <a:buNone/>
-            </a:pPr>
-            <a:r>
-              <a:t/>
-            </a:r>
-            <a:endParaRPr b="0" i="0" sz="3600" u="none" cap="none" strike="noStrike">
-              <a:solidFill>
-                <a:schemeClr val="lt1"/>
+                <a:srgbClr val="000000"/>
               </a:solidFill>
               <a:latin typeface="Arial"/>
               <a:ea typeface="Arial"/>
@@ -22888,7 +22231,7 @@
       </p:sp>
       <p:pic>
         <p:nvPicPr>
-          <p:cNvPr id="178" name="Google Shape;178;g31cd4cd35dc_0_25"/>
+          <p:cNvPr id="178" name="Google Shape;178;p11"/>
           <p:cNvPicPr preferRelativeResize="0"/>
           <p:nvPr/>
         </p:nvPicPr>
@@ -22902,7 +22245,7 @@
         <p:spPr>
           <a:xfrm>
             <a:off x="1703645" y="91595"/>
-            <a:ext cx="835273" cy="710716"/>
+            <a:ext cx="835274" cy="710716"/>
           </a:xfrm>
           <a:prstGeom prst="rect">
             <a:avLst/>
@@ -22915,14 +22258,14 @@
       </p:pic>
       <p:sp>
         <p:nvSpPr>
-          <p:cNvPr id="179" name="Google Shape;179;g31cd4cd35dc_0_25"/>
+          <p:cNvPr id="179" name="Google Shape;179;p11"/>
           <p:cNvSpPr/>
           <p:nvPr/>
         </p:nvSpPr>
         <p:spPr>
           <a:xfrm>
             <a:off x="221749" y="6468822"/>
-            <a:ext cx="288300" cy="321000"/>
+            <a:ext cx="288236" cy="321013"/>
           </a:xfrm>
           <a:prstGeom prst="horizontalScroll">
             <a:avLst>
@@ -22930,11 +22273,11 @@
             </a:avLst>
           </a:prstGeom>
           <a:solidFill>
-            <a:srgbClr val="2570A7"/>
+            <a:srgbClr val="BCC71B"/>
           </a:solidFill>
           <a:ln cap="flat" cmpd="sng" w="12700">
             <a:solidFill>
-              <a:srgbClr val="2570A7"/>
+              <a:srgbClr val="BCC71B"/>
             </a:solidFill>
             <a:prstDash val="solid"/>
             <a:miter lim="800000"/>
@@ -22982,14 +22325,14 @@
       </p:sp>
       <p:sp>
         <p:nvSpPr>
-          <p:cNvPr id="180" name="Google Shape;180;g31cd4cd35dc_0_25"/>
+          <p:cNvPr id="180" name="Google Shape;180;p11"/>
           <p:cNvSpPr txBox="1"/>
           <p:nvPr/>
         </p:nvSpPr>
         <p:spPr>
           <a:xfrm>
             <a:off x="1110463" y="6468822"/>
-            <a:ext cx="267600" cy="338700"/>
+            <a:ext cx="267740" cy="338554"/>
           </a:xfrm>
           <a:prstGeom prst="rect">
             <a:avLst/>
@@ -23048,14 +22391,14 @@
       </p:sp>
       <p:sp>
         <p:nvSpPr>
-          <p:cNvPr id="181" name="Google Shape;181;g31cd4cd35dc_0_25"/>
+          <p:cNvPr id="181" name="Google Shape;181;p11"/>
           <p:cNvSpPr txBox="1"/>
           <p:nvPr/>
         </p:nvSpPr>
         <p:spPr>
           <a:xfrm>
             <a:off x="221749" y="6507294"/>
-            <a:ext cx="490800" cy="261600"/>
+            <a:ext cx="494147" cy="261610"/>
           </a:xfrm>
           <a:prstGeom prst="rect">
             <a:avLst/>
@@ -23098,7 +22441,7 @@
                 <a:cs typeface="Arial"/>
                 <a:sym typeface="Arial"/>
               </a:rPr>
-              <a:t>10</a:t>
+              <a:t>11</a:t>
             </a:r>
             <a:endParaRPr b="0" i="0" sz="1400" u="none" cap="none" strike="noStrike">
               <a:solidFill>
@@ -23112,9 +22455,335 @@
           </a:p>
         </p:txBody>
       </p:sp>
+      <p:sp>
+        <p:nvSpPr>
+          <p:cNvPr id="182" name="Google Shape;182;p11"/>
+          <p:cNvSpPr/>
+          <p:nvPr/>
+        </p:nvSpPr>
+        <p:spPr>
+          <a:xfrm>
+            <a:off x="430800" y="1326143"/>
+            <a:ext cx="10968000" cy="2143500"/>
+          </a:xfrm>
+          <a:prstGeom prst="rect">
+            <a:avLst/>
+          </a:prstGeom>
+          <a:noFill/>
+          <a:ln>
+            <a:noFill/>
+          </a:ln>
+        </p:spPr>
+        <p:txBody>
+          <a:bodyPr anchorCtr="0" anchor="t" bIns="45700" lIns="91425" spcFirstLastPara="1" rIns="91425" wrap="square" tIns="45700">
+            <a:spAutoFit/>
+          </a:bodyPr>
+          <a:lstStyle/>
+          <a:p>
+            <a:pPr indent="0" lvl="0" marL="0" rtl="0" algn="l">
+              <a:lnSpc>
+                <a:spcPct val="115000"/>
+              </a:lnSpc>
+              <a:spcBef>
+                <a:spcPts val="1200"/>
+              </a:spcBef>
+              <a:spcAft>
+                <a:spcPts val="0"/>
+              </a:spcAft>
+              <a:buClr>
+                <a:schemeClr val="dk1"/>
+              </a:buClr>
+              <a:buSzPts val="1100"/>
+              <a:buFont typeface="Arial"/>
+              <a:buNone/>
+            </a:pPr>
+            <a:r>
+              <a:rPr lang="fr-FR" sz="1900">
+                <a:solidFill>
+                  <a:schemeClr val="dk1"/>
+                </a:solidFill>
+              </a:rPr>
+              <a:t>Les </a:t>
+            </a:r>
+            <a:r>
+              <a:rPr b="1" lang="fr-FR" sz="1900">
+                <a:solidFill>
+                  <a:schemeClr val="dk1"/>
+                </a:solidFill>
+              </a:rPr>
+              <a:t>structures de contrôle</a:t>
+            </a:r>
+            <a:r>
+              <a:rPr lang="fr-FR" sz="1900">
+                <a:solidFill>
+                  <a:schemeClr val="dk1"/>
+                </a:solidFill>
+              </a:rPr>
+              <a:t> permettent de diriger l'exécution d'un programme en fonction de conditions ou de répétitions. Elles jouent un rôle essentiel en programmation car elles permettent :</a:t>
+            </a:r>
+            <a:endParaRPr sz="1900">
+              <a:solidFill>
+                <a:schemeClr val="dk1"/>
+              </a:solidFill>
+            </a:endParaRPr>
+          </a:p>
+          <a:p>
+            <a:pPr indent="-349250" lvl="0" marL="457200" rtl="0" algn="l">
+              <a:lnSpc>
+                <a:spcPct val="115000"/>
+              </a:lnSpc>
+              <a:spcBef>
+                <a:spcPts val="1200"/>
+              </a:spcBef>
+              <a:spcAft>
+                <a:spcPts val="0"/>
+              </a:spcAft>
+              <a:buClr>
+                <a:schemeClr val="dk1"/>
+              </a:buClr>
+              <a:buSzPts val="1900"/>
+              <a:buAutoNum type="arabicPeriod"/>
+            </a:pPr>
+            <a:r>
+              <a:rPr b="1" lang="fr-FR" sz="1900">
+                <a:solidFill>
+                  <a:schemeClr val="dk1"/>
+                </a:solidFill>
+              </a:rPr>
+              <a:t>De prendre des décisions</a:t>
+            </a:r>
+            <a:r>
+              <a:rPr lang="fr-FR" sz="1900">
+                <a:solidFill>
+                  <a:schemeClr val="dk1"/>
+                </a:solidFill>
+              </a:rPr>
+              <a:t> (conditions).</a:t>
+            </a:r>
+            <a:endParaRPr sz="1900">
+              <a:solidFill>
+                <a:schemeClr val="dk1"/>
+              </a:solidFill>
+            </a:endParaRPr>
+          </a:p>
+          <a:p>
+            <a:pPr indent="-349250" lvl="0" marL="457200" rtl="0" algn="l">
+              <a:lnSpc>
+                <a:spcPct val="115000"/>
+              </a:lnSpc>
+              <a:spcBef>
+                <a:spcPts val="0"/>
+              </a:spcBef>
+              <a:spcAft>
+                <a:spcPts val="0"/>
+              </a:spcAft>
+              <a:buClr>
+                <a:schemeClr val="dk1"/>
+              </a:buClr>
+              <a:buSzPts val="1900"/>
+              <a:buAutoNum type="arabicPeriod"/>
+            </a:pPr>
+            <a:r>
+              <a:rPr b="1" lang="fr-FR" sz="1900">
+                <a:solidFill>
+                  <a:schemeClr val="dk1"/>
+                </a:solidFill>
+              </a:rPr>
+              <a:t>De répéter des actions</a:t>
+            </a:r>
+            <a:r>
+              <a:rPr lang="fr-FR" sz="1900">
+                <a:solidFill>
+                  <a:schemeClr val="dk1"/>
+                </a:solidFill>
+              </a:rPr>
+              <a:t> (boucles).</a:t>
+            </a:r>
+            <a:endParaRPr sz="1900">
+              <a:solidFill>
+                <a:schemeClr val="dk1"/>
+              </a:solidFill>
+            </a:endParaRPr>
+          </a:p>
+          <a:p>
+            <a:pPr indent="0" lvl="0" marL="0" marR="0" rtl="0" algn="ctr">
+              <a:lnSpc>
+                <a:spcPct val="100000"/>
+              </a:lnSpc>
+              <a:spcBef>
+                <a:spcPts val="1200"/>
+              </a:spcBef>
+              <a:spcAft>
+                <a:spcPts val="0"/>
+              </a:spcAft>
+              <a:buClr>
+                <a:srgbClr val="000000"/>
+              </a:buClr>
+              <a:buSzPts val="1800"/>
+              <a:buFont typeface="Arial"/>
+              <a:buNone/>
+            </a:pPr>
+            <a:r>
+              <a:t/>
+            </a:r>
+            <a:endParaRPr sz="2600">
+              <a:solidFill>
+                <a:schemeClr val="dk1"/>
+              </a:solidFill>
+              <a:latin typeface="Calibri"/>
+              <a:ea typeface="Calibri"/>
+              <a:cs typeface="Calibri"/>
+              <a:sym typeface="Calibri"/>
+            </a:endParaRPr>
+          </a:p>
+        </p:txBody>
+      </p:sp>
+      <p:sp>
+        <p:nvSpPr>
+          <p:cNvPr id="183" name="Google Shape;183;p11"/>
+          <p:cNvSpPr txBox="1"/>
+          <p:nvPr/>
+        </p:nvSpPr>
+        <p:spPr>
+          <a:xfrm>
+            <a:off x="151375" y="3318375"/>
+            <a:ext cx="6136200" cy="2985300"/>
+          </a:xfrm>
+          <a:prstGeom prst="rect">
+            <a:avLst/>
+          </a:prstGeom>
+          <a:noFill/>
+          <a:ln>
+            <a:noFill/>
+          </a:ln>
+        </p:spPr>
+        <p:txBody>
+          <a:bodyPr anchorCtr="0" anchor="t" bIns="91425" lIns="91425" spcFirstLastPara="1" rIns="91425" wrap="square" tIns="91425">
+            <a:spAutoFit/>
+          </a:bodyPr>
+          <a:lstStyle/>
+          <a:p>
+            <a:pPr indent="0" lvl="0" marL="0" rtl="0" algn="l">
+              <a:lnSpc>
+                <a:spcPct val="115000"/>
+              </a:lnSpc>
+              <a:spcBef>
+                <a:spcPts val="1400"/>
+              </a:spcBef>
+              <a:spcAft>
+                <a:spcPts val="0"/>
+              </a:spcAft>
+              <a:buNone/>
+            </a:pPr>
+            <a:r>
+              <a:rPr b="1" lang="fr-FR" sz="1900">
+                <a:solidFill>
+                  <a:schemeClr val="dk1"/>
+                </a:solidFill>
+              </a:rPr>
+              <a:t>Les types principaux de structures de contrôle</a:t>
+            </a:r>
+            <a:endParaRPr b="1" sz="1900">
+              <a:solidFill>
+                <a:schemeClr val="dk1"/>
+              </a:solidFill>
+            </a:endParaRPr>
+          </a:p>
+          <a:p>
+            <a:pPr indent="-349250" lvl="0" marL="457200" rtl="0" algn="l">
+              <a:lnSpc>
+                <a:spcPct val="115000"/>
+              </a:lnSpc>
+              <a:spcBef>
+                <a:spcPts val="1200"/>
+              </a:spcBef>
+              <a:spcAft>
+                <a:spcPts val="0"/>
+              </a:spcAft>
+              <a:buClr>
+                <a:schemeClr val="dk1"/>
+              </a:buClr>
+              <a:buSzPts val="1900"/>
+              <a:buAutoNum type="arabicPeriod"/>
+            </a:pPr>
+            <a:r>
+              <a:rPr b="1" lang="fr-FR" sz="1900">
+                <a:solidFill>
+                  <a:schemeClr val="dk1"/>
+                </a:solidFill>
+              </a:rPr>
+              <a:t>Les conditions</a:t>
+            </a:r>
+            <a:r>
+              <a:rPr lang="fr-FR" sz="1900">
+                <a:solidFill>
+                  <a:schemeClr val="dk1"/>
+                </a:solidFill>
+              </a:rPr>
+              <a:t> :</a:t>
+            </a:r>
+            <a:br>
+              <a:rPr lang="fr-FR" sz="1900">
+                <a:solidFill>
+                  <a:schemeClr val="dk1"/>
+                </a:solidFill>
+              </a:rPr>
+            </a:br>
+            <a:br>
+              <a:rPr lang="fr-FR" sz="1900">
+                <a:solidFill>
+                  <a:schemeClr val="dk1"/>
+                </a:solidFill>
+              </a:rPr>
+            </a:br>
+            <a:r>
+              <a:rPr lang="fr-FR" sz="1900">
+                <a:solidFill>
+                  <a:schemeClr val="dk1"/>
+                </a:solidFill>
+              </a:rPr>
+              <a:t> Elles permettent au programme de choisir entre plusieurs chemins en fonction des données.</a:t>
+            </a:r>
+            <a:br>
+              <a:rPr lang="fr-FR" sz="1900">
+                <a:solidFill>
+                  <a:schemeClr val="dk1"/>
+                </a:solidFill>
+              </a:rPr>
+            </a:br>
+            <a:br>
+              <a:rPr lang="fr-FR" sz="1900">
+                <a:solidFill>
+                  <a:schemeClr val="dk1"/>
+                </a:solidFill>
+              </a:rPr>
+            </a:br>
+            <a:r>
+              <a:rPr lang="fr-FR" sz="1900">
+                <a:solidFill>
+                  <a:schemeClr val="dk1"/>
+                </a:solidFill>
+              </a:rPr>
+              <a:t> Exemple simple :</a:t>
+            </a:r>
+            <a:br>
+              <a:rPr lang="fr-FR" sz="1900">
+                <a:solidFill>
+                  <a:schemeClr val="dk1"/>
+                </a:solidFill>
+              </a:rPr>
+            </a:br>
+            <a:endParaRPr sz="1900">
+              <a:solidFill>
+                <a:schemeClr val="dk1"/>
+              </a:solidFill>
+            </a:endParaRPr>
+          </a:p>
+        </p:txBody>
+      </p:sp>
       <p:pic>
         <p:nvPicPr>
-          <p:cNvPr id="182" name="Google Shape;182;g31cd4cd35dc_0_25"/>
+          <p:cNvPr id="184" name="Google Shape;184;p11"/>
           <p:cNvPicPr preferRelativeResize="0"/>
           <p:nvPr/>
         </p:nvPicPr>
@@ -23128,8 +22797,8 @@
         </p:blipFill>
         <p:spPr>
           <a:xfrm>
-            <a:off x="1530476" y="1461025"/>
-            <a:ext cx="7842525" cy="5244574"/>
+            <a:off x="6453075" y="3114025"/>
+            <a:ext cx="5467350" cy="3143250"/>
           </a:xfrm>
           <a:prstGeom prst="rect">
             <a:avLst/>
@@ -23274,7 +22943,7 @@
   <p:cSld>
     <p:spTree>
       <p:nvGrpSpPr>
-        <p:cNvPr id="186" name="Shape 186"/>
+        <p:cNvPr id="188" name="Shape 188"/>
         <p:cNvGrpSpPr/>
         <p:nvPr/>
       </p:nvGrpSpPr>
@@ -23288,7 +22957,7 @@
       </p:grpSpPr>
       <p:pic>
         <p:nvPicPr>
-          <p:cNvPr id="187" name="Google Shape;187;p11"/>
+          <p:cNvPr id="189" name="Google Shape;189;p12"/>
           <p:cNvPicPr preferRelativeResize="0"/>
           <p:nvPr/>
         </p:nvPicPr>
@@ -23315,79 +22984,14 @@
       </p:pic>
       <p:sp>
         <p:nvSpPr>
-          <p:cNvPr id="188" name="Google Shape;188;p11"/>
-          <p:cNvSpPr/>
-          <p:nvPr/>
-        </p:nvSpPr>
-        <p:spPr>
-          <a:xfrm>
-            <a:off x="2660070" y="162050"/>
-            <a:ext cx="9531929" cy="538292"/>
-          </a:xfrm>
-          <a:prstGeom prst="rect">
-            <a:avLst/>
-          </a:prstGeom>
-          <a:solidFill>
-            <a:srgbClr val="BCC71B"/>
-          </a:solidFill>
-          <a:ln cap="flat" cmpd="sng" w="12700">
-            <a:solidFill>
-              <a:srgbClr val="BCC71B"/>
-            </a:solidFill>
-            <a:prstDash val="solid"/>
-            <a:miter lim="800000"/>
-            <a:headEnd len="sm" w="sm" type="none"/>
-            <a:tailEnd len="sm" w="sm" type="none"/>
-          </a:ln>
-        </p:spPr>
-        <p:txBody>
-          <a:bodyPr anchorCtr="0" anchor="ctr" bIns="45700" lIns="91425" spcFirstLastPara="1" rIns="91425" wrap="square" tIns="45700">
-            <a:noAutofit/>
-          </a:bodyPr>
-          <a:lstStyle/>
-          <a:p>
-            <a:pPr indent="0" lvl="0" marL="0" marR="0" rtl="0" algn="ctr">
-              <a:lnSpc>
-                <a:spcPct val="100000"/>
-              </a:lnSpc>
-              <a:spcBef>
-                <a:spcPts val="0"/>
-              </a:spcBef>
-              <a:spcAft>
-                <a:spcPts val="0"/>
-              </a:spcAft>
-              <a:buClr>
-                <a:srgbClr val="000000"/>
-              </a:buClr>
-              <a:buSzPts val="1800"/>
-              <a:buFont typeface="Arial"/>
-              <a:buNone/>
-            </a:pPr>
-            <a:r>
-              <a:t/>
-            </a:r>
-            <a:endParaRPr b="0" i="0" sz="1800" u="none" cap="none" strike="noStrike">
-              <a:solidFill>
-                <a:schemeClr val="lt1"/>
-              </a:solidFill>
-              <a:latin typeface="Calibri"/>
-              <a:ea typeface="Calibri"/>
-              <a:cs typeface="Calibri"/>
-              <a:sym typeface="Calibri"/>
-            </a:endParaRPr>
-          </a:p>
-        </p:txBody>
-      </p:sp>
-      <p:sp>
-        <p:nvSpPr>
-          <p:cNvPr id="189" name="Google Shape;189;p11"/>
+          <p:cNvPr id="190" name="Google Shape;190;p12"/>
           <p:cNvSpPr txBox="1"/>
           <p:nvPr/>
         </p:nvSpPr>
         <p:spPr>
           <a:xfrm>
             <a:off x="3290220" y="108030"/>
-            <a:ext cx="6578100" cy="646500"/>
+            <a:ext cx="7121886" cy="646331"/>
           </a:xfrm>
           <a:prstGeom prst="rect">
             <a:avLst/>
@@ -23421,12 +23025,16 @@
               <a:buNone/>
             </a:pPr>
             <a:r>
-              <a:rPr lang="fr-FR" sz="3600">
+              <a:rPr b="0" i="0" lang="fr-FR" sz="3600" u="none" cap="none" strike="noStrike">
                 <a:solidFill>
                   <a:schemeClr val="lt1"/>
                 </a:solidFill>
+                <a:latin typeface="Arial"/>
+                <a:ea typeface="Arial"/>
+                <a:cs typeface="Arial"/>
+                <a:sym typeface="Arial"/>
               </a:rPr>
-              <a:t>Structure de Contrôle</a:t>
+              <a:t>Utilisation de GOOGLE - Présentation</a:t>
             </a:r>
             <a:endParaRPr b="0" i="0" sz="1400" u="none" cap="none" strike="noStrike">
               <a:solidFill>
@@ -23442,7 +23050,7 @@
       </p:sp>
       <p:pic>
         <p:nvPicPr>
-          <p:cNvPr id="190" name="Google Shape;190;p11"/>
+          <p:cNvPr id="191" name="Google Shape;191;p12"/>
           <p:cNvPicPr preferRelativeResize="0"/>
           <p:nvPr/>
         </p:nvPicPr>
@@ -23455,7 +23063,7 @@
         </p:blipFill>
         <p:spPr>
           <a:xfrm>
-            <a:off x="1703645" y="91595"/>
+            <a:off x="1722166" y="21119"/>
             <a:ext cx="835274" cy="710716"/>
           </a:xfrm>
           <a:prstGeom prst="rect">
@@ -23469,14 +23077,14 @@
       </p:pic>
       <p:sp>
         <p:nvSpPr>
-          <p:cNvPr id="191" name="Google Shape;191;p11"/>
+          <p:cNvPr id="192" name="Google Shape;192;p12"/>
           <p:cNvSpPr/>
           <p:nvPr/>
         </p:nvSpPr>
         <p:spPr>
           <a:xfrm>
             <a:off x="221749" y="6468822"/>
-            <a:ext cx="288236" cy="321013"/>
+            <a:ext cx="417078" cy="321013"/>
           </a:xfrm>
           <a:prstGeom prst="horizontalScroll">
             <a:avLst>
@@ -23484,11 +23092,11 @@
             </a:avLst>
           </a:prstGeom>
           <a:solidFill>
-            <a:srgbClr val="BCC71B"/>
+            <a:srgbClr val="FFC000"/>
           </a:solidFill>
           <a:ln cap="flat" cmpd="sng" w="12700">
             <a:solidFill>
-              <a:srgbClr val="BCC71B"/>
+              <a:srgbClr val="FFC000"/>
             </a:solidFill>
             <a:prstDash val="solid"/>
             <a:miter lim="800000"/>
@@ -23515,28 +23123,37 @@
               <a:buClr>
                 <a:srgbClr val="000000"/>
               </a:buClr>
-              <a:buSzPts val="1800"/>
+              <a:buSzPts val="1100"/>
               <a:buFont typeface="Arial"/>
               <a:buNone/>
             </a:pPr>
             <a:r>
-              <a:t/>
+              <a:rPr b="0" i="0" lang="fr-FR" sz="1100" u="none" cap="none" strike="noStrike">
+                <a:solidFill>
+                  <a:schemeClr val="lt1"/>
+                </a:solidFill>
+                <a:latin typeface="Calibri"/>
+                <a:ea typeface="Calibri"/>
+                <a:cs typeface="Calibri"/>
+                <a:sym typeface="Calibri"/>
+              </a:rPr>
+              <a:t>12</a:t>
             </a:r>
-            <a:endParaRPr b="0" i="0" sz="1800" u="none" cap="none" strike="noStrike">
+            <a:endParaRPr b="0" i="0" sz="1400" u="none" cap="none" strike="noStrike">
               <a:solidFill>
-                <a:schemeClr val="lt1"/>
+                <a:srgbClr val="000000"/>
               </a:solidFill>
-              <a:latin typeface="Calibri"/>
-              <a:ea typeface="Calibri"/>
-              <a:cs typeface="Calibri"/>
-              <a:sym typeface="Calibri"/>
+              <a:latin typeface="Arial"/>
+              <a:ea typeface="Arial"/>
+              <a:cs typeface="Arial"/>
+              <a:sym typeface="Arial"/>
             </a:endParaRPr>
           </a:p>
         </p:txBody>
       </p:sp>
       <p:sp>
         <p:nvSpPr>
-          <p:cNvPr id="192" name="Google Shape;192;p11"/>
+          <p:cNvPr id="193" name="Google Shape;193;p12"/>
           <p:cNvSpPr txBox="1"/>
           <p:nvPr/>
         </p:nvSpPr>
@@ -23602,14 +23219,14 @@
       </p:sp>
       <p:sp>
         <p:nvSpPr>
-          <p:cNvPr id="193" name="Google Shape;193;p11"/>
+          <p:cNvPr id="194" name="Google Shape;194;p12"/>
           <p:cNvSpPr txBox="1"/>
           <p:nvPr/>
         </p:nvSpPr>
         <p:spPr>
           <a:xfrm>
-            <a:off x="221749" y="6507294"/>
-            <a:ext cx="494147" cy="261610"/>
+            <a:off x="9078686" y="2563586"/>
+            <a:ext cx="1796143" cy="587828"/>
           </a:xfrm>
           <a:prstGeom prst="rect">
             <a:avLst/>
@@ -23638,198 +23255,6 @@
               <a:buClr>
                 <a:srgbClr val="000000"/>
               </a:buClr>
-              <a:buSzPts val="1100"/>
-              <a:buFont typeface="Arial"/>
-              <a:buNone/>
-            </a:pPr>
-            <a:r>
-              <a:rPr b="0" i="0" lang="fr-FR" sz="1100" u="none" cap="none" strike="noStrike">
-                <a:solidFill>
-                  <a:schemeClr val="lt1"/>
-                </a:solidFill>
-                <a:latin typeface="Arial"/>
-                <a:ea typeface="Arial"/>
-                <a:cs typeface="Arial"/>
-                <a:sym typeface="Arial"/>
-              </a:rPr>
-              <a:t>11</a:t>
-            </a:r>
-            <a:endParaRPr b="0" i="0" sz="1400" u="none" cap="none" strike="noStrike">
-              <a:solidFill>
-                <a:srgbClr val="000000"/>
-              </a:solidFill>
-              <a:latin typeface="Arial"/>
-              <a:ea typeface="Arial"/>
-              <a:cs typeface="Arial"/>
-              <a:sym typeface="Arial"/>
-            </a:endParaRPr>
-          </a:p>
-        </p:txBody>
-      </p:sp>
-      <p:sp>
-        <p:nvSpPr>
-          <p:cNvPr id="194" name="Google Shape;194;p11"/>
-          <p:cNvSpPr/>
-          <p:nvPr/>
-        </p:nvSpPr>
-        <p:spPr>
-          <a:xfrm>
-            <a:off x="430800" y="1326143"/>
-            <a:ext cx="10968000" cy="2143500"/>
-          </a:xfrm>
-          <a:prstGeom prst="rect">
-            <a:avLst/>
-          </a:prstGeom>
-          <a:noFill/>
-          <a:ln>
-            <a:noFill/>
-          </a:ln>
-        </p:spPr>
-        <p:txBody>
-          <a:bodyPr anchorCtr="0" anchor="t" bIns="45700" lIns="91425" spcFirstLastPara="1" rIns="91425" wrap="square" tIns="45700">
-            <a:spAutoFit/>
-          </a:bodyPr>
-          <a:lstStyle/>
-          <a:p>
-            <a:pPr indent="0" lvl="0" marL="0" rtl="0" algn="l">
-              <a:lnSpc>
-                <a:spcPct val="115000"/>
-              </a:lnSpc>
-              <a:spcBef>
-                <a:spcPts val="1200"/>
-              </a:spcBef>
-              <a:spcAft>
-                <a:spcPts val="0"/>
-              </a:spcAft>
-              <a:buClr>
-                <a:schemeClr val="dk1"/>
-              </a:buClr>
-              <a:buSzPts val="1100"/>
-              <a:buFont typeface="Arial"/>
-              <a:buNone/>
-            </a:pPr>
-            <a:r>
-              <a:rPr lang="fr-FR" sz="1900">
-                <a:solidFill>
-                  <a:schemeClr val="dk1"/>
-                </a:solidFill>
-              </a:rPr>
-              <a:t>Les </a:t>
-            </a:r>
-            <a:r>
-              <a:rPr b="1" lang="fr-FR" sz="1900">
-                <a:solidFill>
-                  <a:schemeClr val="dk1"/>
-                </a:solidFill>
-              </a:rPr>
-              <a:t>structures de contrôle</a:t>
-            </a:r>
-            <a:r>
-              <a:rPr lang="fr-FR" sz="1900">
-                <a:solidFill>
-                  <a:schemeClr val="dk1"/>
-                </a:solidFill>
-              </a:rPr>
-              <a:t> permettent de diriger l'exécution d'un programme en fonction de conditions ou de répétitions. Elles jouent un rôle essentiel en programmation car elles permettent :</a:t>
-            </a:r>
-            <a:endParaRPr sz="1900">
-              <a:solidFill>
-                <a:schemeClr val="dk1"/>
-              </a:solidFill>
-            </a:endParaRPr>
-          </a:p>
-          <a:p>
-            <a:pPr indent="-349250" lvl="0" marL="457200" rtl="0" algn="l">
-              <a:lnSpc>
-                <a:spcPct val="115000"/>
-              </a:lnSpc>
-              <a:spcBef>
-                <a:spcPts val="1200"/>
-              </a:spcBef>
-              <a:spcAft>
-                <a:spcPts val="0"/>
-              </a:spcAft>
-              <a:buClr>
-                <a:schemeClr val="dk1"/>
-              </a:buClr>
-              <a:buSzPts val="1900"/>
-              <a:buAutoNum type="arabicPeriod"/>
-            </a:pPr>
-            <a:r>
-              <a:rPr b="1" lang="fr-FR" sz="1900">
-                <a:solidFill>
-                  <a:schemeClr val="dk1"/>
-                </a:solidFill>
-              </a:rPr>
-              <a:t>De prendre des décisions</a:t>
-            </a:r>
-            <a:r>
-              <a:rPr lang="fr-FR" sz="1900">
-                <a:solidFill>
-                  <a:schemeClr val="dk1"/>
-                </a:solidFill>
-              </a:rPr>
-              <a:t> (conditions).</a:t>
-            </a:r>
-            <a:endParaRPr sz="1900">
-              <a:solidFill>
-                <a:schemeClr val="dk1"/>
-              </a:solidFill>
-            </a:endParaRPr>
-          </a:p>
-          <a:p>
-            <a:pPr indent="-349250" lvl="0" marL="457200" rtl="0" algn="l">
-              <a:lnSpc>
-                <a:spcPct val="115000"/>
-              </a:lnSpc>
-              <a:spcBef>
-                <a:spcPts val="0"/>
-              </a:spcBef>
-              <a:spcAft>
-                <a:spcPts val="0"/>
-              </a:spcAft>
-              <a:buClr>
-                <a:schemeClr val="dk1"/>
-              </a:buClr>
-              <a:buSzPts val="1900"/>
-              <a:buAutoNum type="arabicPeriod"/>
-            </a:pPr>
-            <a:r>
-              <a:rPr b="1" lang="fr-FR" sz="1900">
-                <a:solidFill>
-                  <a:schemeClr val="dk1"/>
-                </a:solidFill>
-              </a:rPr>
-              <a:t>De répéter des actions</a:t>
-            </a:r>
-            <a:r>
-              <a:rPr lang="fr-FR" sz="1900">
-                <a:solidFill>
-                  <a:schemeClr val="dk1"/>
-                </a:solidFill>
-              </a:rPr>
-              <a:t> (boucles).</a:t>
-            </a:r>
-            <a:endParaRPr sz="1900">
-              <a:solidFill>
-                <a:schemeClr val="dk1"/>
-              </a:solidFill>
-            </a:endParaRPr>
-          </a:p>
-          <a:p>
-            <a:pPr indent="0" lvl="0" marL="0" marR="0" rtl="0" algn="ctr">
-              <a:lnSpc>
-                <a:spcPct val="100000"/>
-              </a:lnSpc>
-              <a:spcBef>
-                <a:spcPts val="1200"/>
-              </a:spcBef>
-              <a:spcAft>
-                <a:spcPts val="0"/>
-              </a:spcAft>
-              <a:buClr>
-                <a:srgbClr val="000000"/>
-              </a:buClr>
               <a:buSzPts val="1800"/>
               <a:buFont typeface="Arial"/>
               <a:buNone/>
@@ -23837,7 +23262,7 @@
             <a:r>
               <a:t/>
             </a:r>
-            <a:endParaRPr sz="2600">
+            <a:endParaRPr b="0" i="0" sz="1800" u="none" cap="none" strike="noStrike">
               <a:solidFill>
                 <a:schemeClr val="dk1"/>
               </a:solidFill>
@@ -23851,14 +23276,14 @@
       </p:sp>
       <p:sp>
         <p:nvSpPr>
-          <p:cNvPr id="195" name="Google Shape;195;p11"/>
+          <p:cNvPr id="195" name="Google Shape;195;p12"/>
           <p:cNvSpPr txBox="1"/>
           <p:nvPr/>
         </p:nvSpPr>
         <p:spPr>
           <a:xfrm>
-            <a:off x="151375" y="3318375"/>
-            <a:ext cx="6136200" cy="2985300"/>
+            <a:off x="1110475" y="1340700"/>
+            <a:ext cx="9745500" cy="4176600"/>
           </a:xfrm>
           <a:prstGeom prst="rect">
             <a:avLst/>
@@ -23874,17 +23299,21 @@
           </a:bodyPr>
           <a:lstStyle/>
           <a:p>
-            <a:pPr indent="0" lvl="0" marL="0" rtl="0" algn="l">
+            <a:pPr indent="-349250" lvl="0" marL="457200" rtl="0" algn="l">
               <a:lnSpc>
                 <a:spcPct val="115000"/>
               </a:lnSpc>
               <a:spcBef>
-                <a:spcPts val="1400"/>
-              </a:spcBef>
-              <a:spcAft>
-                <a:spcPts val="0"/>
-              </a:spcAft>
-              <a:buNone/>
+                <a:spcPts val="1200"/>
+              </a:spcBef>
+              <a:spcAft>
+                <a:spcPts val="0"/>
+              </a:spcAft>
+              <a:buClr>
+                <a:schemeClr val="dk1"/>
+              </a:buClr>
+              <a:buSzPts val="1900"/>
+              <a:buChar char="●"/>
             </a:pPr>
             <a:r>
               <a:rPr b="1" lang="fr-FR" sz="1900">
@@ -23892,9 +23321,46 @@
                   <a:schemeClr val="dk1"/>
                 </a:solidFill>
               </a:rPr>
-              <a:t>Les types principaux de structures de contrôle</a:t>
+              <a:t>Les boucles</a:t>
             </a:r>
-            <a:endParaRPr b="1" sz="1900">
+            <a:r>
+              <a:rPr lang="fr-FR" sz="1900">
+                <a:solidFill>
+                  <a:schemeClr val="dk1"/>
+                </a:solidFill>
+              </a:rPr>
+              <a:t> :</a:t>
+            </a:r>
+            <a:br>
+              <a:rPr lang="fr-FR" sz="1900">
+                <a:solidFill>
+                  <a:schemeClr val="dk1"/>
+                </a:solidFill>
+              </a:rPr>
+            </a:br>
+            <a:br>
+              <a:rPr lang="fr-FR" sz="1900">
+                <a:solidFill>
+                  <a:schemeClr val="dk1"/>
+                </a:solidFill>
+              </a:rPr>
+            </a:br>
+            <a:r>
+              <a:rPr lang="fr-FR" sz="1900">
+                <a:solidFill>
+                  <a:schemeClr val="dk1"/>
+                </a:solidFill>
+              </a:rPr>
+              <a:t> Elles permettent d'exécuter un bloc de code plusieurs fois, soit pour parcourir une séquence, soit jusqu'à ce qu'une condition soit remplie.</a:t>
+            </a:r>
+            <a:br>
+              <a:rPr lang="fr-FR" sz="1900">
+                <a:solidFill>
+                  <a:schemeClr val="dk1"/>
+                </a:solidFill>
+              </a:rPr>
+            </a:br>
+            <a:endParaRPr sz="1900">
               <a:solidFill>
                 <a:schemeClr val="dk1"/>
               </a:solidFill>
@@ -23906,7 +23372,7 @@
                 <a:spcPct val="115000"/>
               </a:lnSpc>
               <a:spcBef>
-                <a:spcPts val="1200"/>
+                <a:spcPts val="0"/>
               </a:spcBef>
               <a:spcAft>
                 <a:spcPts val="0"/>
@@ -23915,7 +23381,7 @@
                 <a:schemeClr val="dk1"/>
               </a:buClr>
               <a:buSzPts val="1900"/>
-              <a:buAutoNum type="arabicPeriod"/>
+              <a:buChar char="●"/>
             </a:pPr>
             <a:r>
               <a:rPr b="1" lang="fr-FR" sz="1900">
@@ -23923,7 +23389,7 @@
                   <a:schemeClr val="dk1"/>
                 </a:solidFill>
               </a:rPr>
-              <a:t>Les conditions</a:t>
+              <a:t>Les conditions imbriquées et multiples</a:t>
             </a:r>
             <a:r>
               <a:rPr lang="fr-FR" sz="1900">
@@ -23953,7 +23419,7 @@
                   <a:schemeClr val="dk1"/>
                 </a:solidFill>
               </a:rPr>
-              <a:t> Elles permettent au programme de choisir entre plusieurs chemins en fonction des données.</a:t>
+              <a:t> Combinaison de plusieurs conditions ou exécution conditionnelle dans des blocs imbriqués pour une logique plus complexe.</a:t>
             </a:r>
             <a:br>
               <a:rPr lang="fr-FR" sz="1900">
@@ -23969,14 +23435,6 @@
                 </a:solidFill>
               </a:rPr>
             </a:br>
-            <a:r>
-              <a:rPr lang="fr-FR" sz="1900">
-                <a:solidFill>
-                  <a:schemeClr val="dk1"/>
-                </a:solidFill>
-              </a:rPr>
-              <a:t> Exemple simple :</a:t>
-            </a:r>
             <a:br>
               <a:rPr lang="fr-FR" sz="1900">
                 <a:solidFill>
@@ -23992,34 +23450,6 @@
           </a:p>
         </p:txBody>
       </p:sp>
-      <p:pic>
-        <p:nvPicPr>
-          <p:cNvPr id="196" name="Google Shape;196;p11"/>
-          <p:cNvPicPr preferRelativeResize="0"/>
-          <p:nvPr/>
-        </p:nvPicPr>
-        <p:blipFill>
-          <a:blip r:embed="rId5">
-            <a:alphaModFix/>
-          </a:blip>
-          <a:stretch>
-            <a:fillRect/>
-          </a:stretch>
-        </p:blipFill>
-        <p:spPr>
-          <a:xfrm>
-            <a:off x="6453075" y="3114025"/>
-            <a:ext cx="5467350" cy="3143250"/>
-          </a:xfrm>
-          <a:prstGeom prst="rect">
-            <a:avLst/>
-          </a:prstGeom>
-          <a:noFill/>
-          <a:ln>
-            <a:noFill/>
-          </a:ln>
-        </p:spPr>
-      </p:pic>
     </p:spTree>
   </p:cSld>
   <p:clrMapOvr>
@@ -24062,7 +23492,7 @@
                                           </p:stCondLst>
                                         </p:cTn>
                                         <p:tgtEl>
-                                          <p:spTgt spid="189"/>
+                                          <p:spTgt spid="190"/>
                                         </p:tgtEl>
                                         <p:attrNameLst>
                                           <p:attrName>style.visibility</p:attrName>
@@ -24076,42 +23506,7 @@
                                       <p:cBhvr>
                                         <p:cTn dur="1000"/>
                                         <p:tgtEl>
-                                          <p:spTgt spid="189"/>
-                                        </p:tgtEl>
-                                      </p:cBhvr>
-                                    </p:animEffect>
-                                  </p:childTnLst>
-                                </p:cTn>
-                              </p:par>
-                              <p:par>
-                                <p:cTn fill="hold" nodeType="withEffect" presetClass="entr" presetID="10" presetSubtype="0">
-                                  <p:stCondLst>
-                                    <p:cond delay="0"/>
-                                  </p:stCondLst>
-                                  <p:childTnLst>
-                                    <p:set>
-                                      <p:cBhvr>
-                                        <p:cTn dur="1" fill="hold">
-                                          <p:stCondLst>
-                                            <p:cond delay="0"/>
-                                          </p:stCondLst>
-                                        </p:cTn>
-                                        <p:tgtEl>
-                                          <p:spTgt spid="193"/>
-                                        </p:tgtEl>
-                                        <p:attrNameLst>
-                                          <p:attrName>style.visibility</p:attrName>
-                                        </p:attrNameLst>
-                                      </p:cBhvr>
-                                      <p:to>
-                                        <p:strVal val="visible"/>
-                                      </p:to>
-                                    </p:set>
-                                    <p:animEffect filter="fade" transition="in">
-                                      <p:cBhvr>
-                                        <p:cTn dur="1000"/>
-                                        <p:tgtEl>
-                                          <p:spTgt spid="193"/>
+                                          <p:spTgt spid="190"/>
                                         </p:tgtEl>
                                       </p:cBhvr>
                                     </p:animEffect>
@@ -24154,7 +23549,7 @@
   <p:cSld>
     <p:spTree>
       <p:nvGrpSpPr>
-        <p:cNvPr id="200" name="Shape 200"/>
+        <p:cNvPr id="199" name="Shape 199"/>
         <p:cNvGrpSpPr/>
         <p:nvPr/>
       </p:nvGrpSpPr>
@@ -24168,7 +23563,7 @@
       </p:grpSpPr>
       <p:pic>
         <p:nvPicPr>
-          <p:cNvPr id="201" name="Google Shape;201;p12"/>
+          <p:cNvPr id="200" name="Google Shape;200;p13"/>
           <p:cNvPicPr preferRelativeResize="0"/>
           <p:nvPr/>
         </p:nvPicPr>
@@ -24195,14 +23590,79 @@
       </p:pic>
       <p:sp>
         <p:nvSpPr>
-          <p:cNvPr id="202" name="Google Shape;202;p12"/>
+          <p:cNvPr id="201" name="Google Shape;201;p13"/>
+          <p:cNvSpPr/>
+          <p:nvPr/>
+        </p:nvSpPr>
+        <p:spPr>
+          <a:xfrm>
+            <a:off x="2660070" y="162050"/>
+            <a:ext cx="9531929" cy="538292"/>
+          </a:xfrm>
+          <a:prstGeom prst="rect">
+            <a:avLst/>
+          </a:prstGeom>
+          <a:solidFill>
+            <a:srgbClr val="FFC000"/>
+          </a:solidFill>
+          <a:ln cap="flat" cmpd="sng" w="12700">
+            <a:solidFill>
+              <a:srgbClr val="FFC000"/>
+            </a:solidFill>
+            <a:prstDash val="solid"/>
+            <a:miter lim="800000"/>
+            <a:headEnd len="sm" w="sm" type="none"/>
+            <a:tailEnd len="sm" w="sm" type="none"/>
+          </a:ln>
+        </p:spPr>
+        <p:txBody>
+          <a:bodyPr anchorCtr="0" anchor="ctr" bIns="45700" lIns="91425" spcFirstLastPara="1" rIns="91425" wrap="square" tIns="45700">
+            <a:noAutofit/>
+          </a:bodyPr>
+          <a:lstStyle/>
+          <a:p>
+            <a:pPr indent="0" lvl="0" marL="0" marR="0" rtl="0" algn="ctr">
+              <a:lnSpc>
+                <a:spcPct val="100000"/>
+              </a:lnSpc>
+              <a:spcBef>
+                <a:spcPts val="0"/>
+              </a:spcBef>
+              <a:spcAft>
+                <a:spcPts val="0"/>
+              </a:spcAft>
+              <a:buClr>
+                <a:srgbClr val="000000"/>
+              </a:buClr>
+              <a:buSzPts val="1800"/>
+              <a:buFont typeface="Arial"/>
+              <a:buNone/>
+            </a:pPr>
+            <a:r>
+              <a:t/>
+            </a:r>
+            <a:endParaRPr b="0" i="0" sz="1800" u="none" cap="none" strike="noStrike">
+              <a:solidFill>
+                <a:schemeClr val="lt1"/>
+              </a:solidFill>
+              <a:latin typeface="Calibri"/>
+              <a:ea typeface="Calibri"/>
+              <a:cs typeface="Calibri"/>
+              <a:sym typeface="Calibri"/>
+            </a:endParaRPr>
+          </a:p>
+        </p:txBody>
+      </p:sp>
+      <p:sp>
+        <p:nvSpPr>
+          <p:cNvPr id="202" name="Google Shape;202;p13"/>
           <p:cNvSpPr txBox="1"/>
           <p:nvPr/>
         </p:nvSpPr>
         <p:spPr>
           <a:xfrm>
             <a:off x="3290220" y="108030"/>
-            <a:ext cx="7121886" cy="646331"/>
+            <a:ext cx="3861600" cy="646500"/>
           </a:xfrm>
           <a:prstGeom prst="rect">
             <a:avLst/>
@@ -24236,16 +23696,12 @@
               <a:buNone/>
             </a:pPr>
             <a:r>
-              <a:rPr b="0" i="0" lang="fr-FR" sz="3600" u="none" cap="none" strike="noStrike">
+              <a:rPr lang="fr-FR" sz="3600">
                 <a:solidFill>
                   <a:schemeClr val="lt1"/>
                 </a:solidFill>
-                <a:latin typeface="Arial"/>
-                <a:ea typeface="Arial"/>
-                <a:cs typeface="Arial"/>
-                <a:sym typeface="Arial"/>
               </a:rPr>
-              <a:t>Utilisation de GOOGLE - Présentation</a:t>
+              <a:t>Fonction</a:t>
             </a:r>
             <a:endParaRPr b="0" i="0" sz="1400" u="none" cap="none" strike="noStrike">
               <a:solidFill>
@@ -24261,7 +23717,7 @@
       </p:sp>
       <p:pic>
         <p:nvPicPr>
-          <p:cNvPr id="203" name="Google Shape;203;p12"/>
+          <p:cNvPr id="203" name="Google Shape;203;p13"/>
           <p:cNvPicPr preferRelativeResize="0"/>
           <p:nvPr/>
         </p:nvPicPr>
@@ -24288,7 +23744,73 @@
       </p:pic>
       <p:sp>
         <p:nvSpPr>
-          <p:cNvPr id="204" name="Google Shape;204;p12"/>
+          <p:cNvPr id="204" name="Google Shape;204;p13"/>
+          <p:cNvSpPr txBox="1"/>
+          <p:nvPr/>
+        </p:nvSpPr>
+        <p:spPr>
+          <a:xfrm>
+            <a:off x="1110463" y="6468822"/>
+            <a:ext cx="267740" cy="338554"/>
+          </a:xfrm>
+          <a:prstGeom prst="rect">
+            <a:avLst/>
+          </a:prstGeom>
+          <a:noFill/>
+          <a:ln>
+            <a:noFill/>
+          </a:ln>
+        </p:spPr>
+        <p:txBody>
+          <a:bodyPr anchorCtr="0" anchor="t" bIns="45700" lIns="91425" spcFirstLastPara="1" rIns="91425" wrap="square" tIns="45700">
+            <a:spAutoFit/>
+          </a:bodyPr>
+          <a:lstStyle/>
+          <a:p>
+            <a:pPr indent="0" lvl="0" marL="0" marR="0" rtl="0" algn="l">
+              <a:lnSpc>
+                <a:spcPct val="100000"/>
+              </a:lnSpc>
+              <a:spcBef>
+                <a:spcPts val="0"/>
+              </a:spcBef>
+              <a:spcAft>
+                <a:spcPts val="0"/>
+              </a:spcAft>
+              <a:buClr>
+                <a:srgbClr val="000000"/>
+              </a:buClr>
+              <a:buSzPts val="1600"/>
+              <a:buFont typeface="Arial"/>
+              <a:buNone/>
+            </a:pPr>
+            <a:r>
+              <a:rPr b="0" i="0" lang="fr-FR" sz="1600" u="none" cap="none" strike="noStrike">
+                <a:solidFill>
+                  <a:schemeClr val="lt1"/>
+                </a:solidFill>
+                <a:latin typeface="Calibri"/>
+                <a:ea typeface="Calibri"/>
+                <a:cs typeface="Calibri"/>
+                <a:sym typeface="Calibri"/>
+              </a:rPr>
+              <a:t>9</a:t>
+            </a:r>
+            <a:endParaRPr b="0" i="0" sz="1600" u="none" cap="none" strike="noStrike">
+              <a:solidFill>
+                <a:schemeClr val="lt1"/>
+              </a:solidFill>
+              <a:latin typeface="Calibri"/>
+              <a:ea typeface="Calibri"/>
+              <a:cs typeface="Calibri"/>
+              <a:sym typeface="Calibri"/>
+            </a:endParaRPr>
+          </a:p>
+        </p:txBody>
+      </p:sp>
+      <p:sp>
+        <p:nvSpPr>
+          <p:cNvPr id="205" name="Google Shape;205;p13"/>
           <p:cNvSpPr/>
           <p:nvPr/>
         </p:nvSpPr>
@@ -24348,7 +23870,7 @@
                 <a:cs typeface="Calibri"/>
                 <a:sym typeface="Calibri"/>
               </a:rPr>
-              <a:t>12</a:t>
+              <a:t>13</a:t>
             </a:r>
             <a:endParaRPr b="0" i="0" sz="1400" u="none" cap="none" strike="noStrike">
               <a:solidFill>
@@ -24364,137 +23886,14 @@
       </p:sp>
       <p:sp>
         <p:nvSpPr>
-          <p:cNvPr id="205" name="Google Shape;205;p12"/>
+          <p:cNvPr id="206" name="Google Shape;206;p13"/>
           <p:cNvSpPr txBox="1"/>
           <p:nvPr/>
         </p:nvSpPr>
         <p:spPr>
           <a:xfrm>
-            <a:off x="1110463" y="6468822"/>
-            <a:ext cx="267740" cy="338554"/>
-          </a:xfrm>
-          <a:prstGeom prst="rect">
-            <a:avLst/>
-          </a:prstGeom>
-          <a:noFill/>
-          <a:ln>
-            <a:noFill/>
-          </a:ln>
-        </p:spPr>
-        <p:txBody>
-          <a:bodyPr anchorCtr="0" anchor="t" bIns="45700" lIns="91425" spcFirstLastPara="1" rIns="91425" wrap="square" tIns="45700">
-            <a:spAutoFit/>
-          </a:bodyPr>
-          <a:lstStyle/>
-          <a:p>
-            <a:pPr indent="0" lvl="0" marL="0" marR="0" rtl="0" algn="l">
-              <a:lnSpc>
-                <a:spcPct val="100000"/>
-              </a:lnSpc>
-              <a:spcBef>
-                <a:spcPts val="0"/>
-              </a:spcBef>
-              <a:spcAft>
-                <a:spcPts val="0"/>
-              </a:spcAft>
-              <a:buClr>
-                <a:srgbClr val="000000"/>
-              </a:buClr>
-              <a:buSzPts val="1600"/>
-              <a:buFont typeface="Arial"/>
-              <a:buNone/>
-            </a:pPr>
-            <a:r>
-              <a:rPr b="0" i="0" lang="fr-FR" sz="1600" u="none" cap="none" strike="noStrike">
-                <a:solidFill>
-                  <a:schemeClr val="lt1"/>
-                </a:solidFill>
-                <a:latin typeface="Calibri"/>
-                <a:ea typeface="Calibri"/>
-                <a:cs typeface="Calibri"/>
-                <a:sym typeface="Calibri"/>
-              </a:rPr>
-              <a:t>9</a:t>
-            </a:r>
-            <a:endParaRPr b="0" i="0" sz="1600" u="none" cap="none" strike="noStrike">
-              <a:solidFill>
-                <a:schemeClr val="lt1"/>
-              </a:solidFill>
-              <a:latin typeface="Calibri"/>
-              <a:ea typeface="Calibri"/>
-              <a:cs typeface="Calibri"/>
-              <a:sym typeface="Calibri"/>
-            </a:endParaRPr>
-          </a:p>
-        </p:txBody>
-      </p:sp>
-      <p:sp>
-        <p:nvSpPr>
-          <p:cNvPr id="206" name="Google Shape;206;p12"/>
-          <p:cNvSpPr txBox="1"/>
-          <p:nvPr/>
-        </p:nvSpPr>
-        <p:spPr>
-          <a:xfrm>
-            <a:off x="9078686" y="2563586"/>
-            <a:ext cx="1796143" cy="587828"/>
-          </a:xfrm>
-          <a:prstGeom prst="rect">
-            <a:avLst/>
-          </a:prstGeom>
-          <a:noFill/>
-          <a:ln>
-            <a:noFill/>
-          </a:ln>
-        </p:spPr>
-        <p:txBody>
-          <a:bodyPr anchorCtr="0" anchor="t" bIns="45700" lIns="91425" spcFirstLastPara="1" rIns="91425" wrap="square" tIns="45700">
-            <a:spAutoFit/>
-          </a:bodyPr>
-          <a:lstStyle/>
-          <a:p>
-            <a:pPr indent="0" lvl="0" marL="0" marR="0" rtl="0" algn="l">
-              <a:lnSpc>
-                <a:spcPct val="100000"/>
-              </a:lnSpc>
-              <a:spcBef>
-                <a:spcPts val="0"/>
-              </a:spcBef>
-              <a:spcAft>
-                <a:spcPts val="0"/>
-              </a:spcAft>
-              <a:buClr>
-                <a:srgbClr val="000000"/>
-              </a:buClr>
-              <a:buSzPts val="1800"/>
-              <a:buFont typeface="Arial"/>
-              <a:buNone/>
-            </a:pPr>
-            <a:r>
-              <a:t/>
-            </a:r>
-            <a:endParaRPr b="0" i="0" sz="1800" u="none" cap="none" strike="noStrike">
-              <a:solidFill>
-                <a:schemeClr val="dk1"/>
-              </a:solidFill>
-              <a:latin typeface="Calibri"/>
-              <a:ea typeface="Calibri"/>
-              <a:cs typeface="Calibri"/>
-              <a:sym typeface="Calibri"/>
-            </a:endParaRPr>
-          </a:p>
-        </p:txBody>
-      </p:sp>
-      <p:sp>
-        <p:nvSpPr>
-          <p:cNvPr id="207" name="Google Shape;207;p12"/>
-          <p:cNvSpPr txBox="1"/>
-          <p:nvPr/>
-        </p:nvSpPr>
-        <p:spPr>
-          <a:xfrm>
-            <a:off x="1110475" y="1340700"/>
-            <a:ext cx="9745500" cy="4176600"/>
+            <a:off x="1378200" y="1432150"/>
+            <a:ext cx="8262600" cy="1062000"/>
           </a:xfrm>
           <a:prstGeom prst="rect">
             <a:avLst/>
@@ -24510,157 +23909,51 @@
           </a:bodyPr>
           <a:lstStyle/>
           <a:p>
-            <a:pPr indent="-349250" lvl="0" marL="457200" rtl="0" algn="l">
-              <a:lnSpc>
-                <a:spcPct val="115000"/>
-              </a:lnSpc>
-              <a:spcBef>
-                <a:spcPts val="1200"/>
-              </a:spcBef>
-              <a:spcAft>
-                <a:spcPts val="0"/>
-              </a:spcAft>
-              <a:buClr>
-                <a:schemeClr val="dk1"/>
-              </a:buClr>
-              <a:buSzPts val="1900"/>
-              <a:buChar char="●"/>
+            <a:pPr indent="0" lvl="0" marL="0" rtl="0" algn="l">
+              <a:spcBef>
+                <a:spcPts val="0"/>
+              </a:spcBef>
+              <a:spcAft>
+                <a:spcPts val="0"/>
+              </a:spcAft>
+              <a:buNone/>
             </a:pPr>
             <a:r>
-              <a:rPr b="1" lang="fr-FR" sz="1900">
-                <a:solidFill>
-                  <a:schemeClr val="dk1"/>
-                </a:solidFill>
-              </a:rPr>
-              <a:t>Les boucles</a:t>
+              <a:rPr lang="fr-FR" sz="1900"/>
+              <a:t>Les fonctions sont des blocs de code réutilisables qui effectuent une tâche précise. Elles permettent de structurer et d'organiser le code pour le rendre plus clair, plus lisible et plus facile à maintenir.</a:t>
             </a:r>
-            <a:r>
-              <a:rPr lang="fr-FR" sz="1900">
-                <a:solidFill>
-                  <a:schemeClr val="dk1"/>
-                </a:solidFill>
-              </a:rPr>
-              <a:t> :</a:t>
-            </a:r>
-            <a:br>
-              <a:rPr lang="fr-FR" sz="1900">
-                <a:solidFill>
-                  <a:schemeClr val="dk1"/>
-                </a:solidFill>
-              </a:rPr>
-            </a:br>
-            <a:br>
-              <a:rPr lang="fr-FR" sz="1900">
-                <a:solidFill>
-                  <a:schemeClr val="dk1"/>
-                </a:solidFill>
-              </a:rPr>
-            </a:br>
-            <a:r>
-              <a:rPr lang="fr-FR" sz="1900">
-                <a:solidFill>
-                  <a:schemeClr val="dk1"/>
-                </a:solidFill>
-              </a:rPr>
-              <a:t> Elles permettent d'exécuter un bloc de code plusieurs fois, soit pour parcourir une séquence, soit jusqu'à ce qu'une condition soit remplie.</a:t>
-            </a:r>
-            <a:br>
-              <a:rPr lang="fr-FR" sz="1900">
-                <a:solidFill>
-                  <a:schemeClr val="dk1"/>
-                </a:solidFill>
-              </a:rPr>
-            </a:br>
-            <a:endParaRPr sz="1900">
-              <a:solidFill>
-                <a:schemeClr val="dk1"/>
-              </a:solidFill>
-            </a:endParaRPr>
-          </a:p>
-          <a:p>
-            <a:pPr indent="-349250" lvl="0" marL="457200" rtl="0" algn="l">
-              <a:lnSpc>
-                <a:spcPct val="115000"/>
-              </a:lnSpc>
-              <a:spcBef>
-                <a:spcPts val="0"/>
-              </a:spcBef>
-              <a:spcAft>
-                <a:spcPts val="0"/>
-              </a:spcAft>
-              <a:buClr>
-                <a:schemeClr val="dk1"/>
-              </a:buClr>
-              <a:buSzPts val="1900"/>
-              <a:buChar char="●"/>
-            </a:pPr>
-            <a:r>
-              <a:rPr b="1" lang="fr-FR" sz="1900">
-                <a:solidFill>
-                  <a:schemeClr val="dk1"/>
-                </a:solidFill>
-              </a:rPr>
-              <a:t>Les conditions imbriquées et multiples</a:t>
-            </a:r>
-            <a:r>
-              <a:rPr lang="fr-FR" sz="1900">
-                <a:solidFill>
-                  <a:schemeClr val="dk1"/>
-                </a:solidFill>
-              </a:rPr>
-              <a:t> :</a:t>
-            </a:r>
-            <a:br>
-              <a:rPr lang="fr-FR" sz="1900">
-                <a:solidFill>
-                  <a:schemeClr val="dk1"/>
-                </a:solidFill>
-              </a:rPr>
-            </a:br>
-            <a:br>
-              <a:rPr lang="fr-FR" sz="1900">
-                <a:solidFill>
-                  <a:schemeClr val="dk1"/>
-                </a:solidFill>
-              </a:rPr>
-            </a:br>
-            <a:r>
-              <a:rPr lang="fr-FR" sz="1900">
-                <a:solidFill>
-                  <a:schemeClr val="dk1"/>
-                </a:solidFill>
-              </a:rPr>
-              <a:t> Combinaison de plusieurs conditions ou exécution conditionnelle dans des blocs imbriqués pour une logique plus complexe.</a:t>
-            </a:r>
-            <a:br>
-              <a:rPr lang="fr-FR" sz="1900">
-                <a:solidFill>
-                  <a:schemeClr val="dk1"/>
-                </a:solidFill>
-              </a:rPr>
-            </a:br>
-            <a:br>
-              <a:rPr lang="fr-FR" sz="1900">
-                <a:solidFill>
-                  <a:schemeClr val="dk1"/>
-                </a:solidFill>
-              </a:rPr>
-            </a:br>
-            <a:br>
-              <a:rPr lang="fr-FR" sz="1900">
-                <a:solidFill>
-                  <a:schemeClr val="dk1"/>
-                </a:solidFill>
-              </a:rPr>
-            </a:br>
-            <a:endParaRPr sz="1900">
-              <a:solidFill>
-                <a:schemeClr val="dk1"/>
-              </a:solidFill>
-            </a:endParaRPr>
+            <a:endParaRPr sz="1900"/>
           </a:p>
         </p:txBody>
       </p:sp>
+      <p:pic>
+        <p:nvPicPr>
+          <p:cNvPr id="207" name="Google Shape;207;p13"/>
+          <p:cNvPicPr preferRelativeResize="0"/>
+          <p:nvPr/>
+        </p:nvPicPr>
+        <p:blipFill>
+          <a:blip r:embed="rId5">
+            <a:alphaModFix/>
+          </a:blip>
+          <a:stretch>
+            <a:fillRect/>
+          </a:stretch>
+        </p:blipFill>
+        <p:spPr>
+          <a:xfrm>
+            <a:off x="536650" y="2949275"/>
+            <a:ext cx="10303426" cy="2895600"/>
+          </a:xfrm>
+          <a:prstGeom prst="rect">
+            <a:avLst/>
+          </a:prstGeom>
+          <a:noFill/>
+          <a:ln>
+            <a:noFill/>
+          </a:ln>
+        </p:spPr>
+      </p:pic>
     </p:spTree>
   </p:cSld>
   <p:clrMapOvr>
